--- a/Apresentação Workshop Angular.pptx
+++ b/Apresentação Workshop Angular.pptx
@@ -18,16 +18,21 @@
     <p:sldId id="269" r:id="rId12"/>
     <p:sldId id="270" r:id="rId13"/>
     <p:sldId id="260" r:id="rId14"/>
-    <p:sldId id="259" r:id="rId15"/>
-    <p:sldId id="271" r:id="rId16"/>
-    <p:sldId id="272" r:id="rId17"/>
-    <p:sldId id="273" r:id="rId18"/>
-    <p:sldId id="274" r:id="rId19"/>
-    <p:sldId id="275" r:id="rId20"/>
-    <p:sldId id="276" r:id="rId21"/>
-    <p:sldId id="257" r:id="rId22"/>
-    <p:sldId id="278" r:id="rId23"/>
-    <p:sldId id="279" r:id="rId24"/>
+    <p:sldId id="283" r:id="rId15"/>
+    <p:sldId id="282" r:id="rId16"/>
+    <p:sldId id="284" r:id="rId17"/>
+    <p:sldId id="259" r:id="rId18"/>
+    <p:sldId id="271" r:id="rId19"/>
+    <p:sldId id="280" r:id="rId20"/>
+    <p:sldId id="281" r:id="rId21"/>
+    <p:sldId id="272" r:id="rId22"/>
+    <p:sldId id="273" r:id="rId23"/>
+    <p:sldId id="274" r:id="rId24"/>
+    <p:sldId id="275" r:id="rId25"/>
+    <p:sldId id="276" r:id="rId26"/>
+    <p:sldId id="257" r:id="rId27"/>
+    <p:sldId id="278" r:id="rId28"/>
+    <p:sldId id="279" r:id="rId29"/>
   </p:sldIdLst>
   <p:sldSz cx="12192000" cy="6858000"/>
   <p:notesSz cx="6858000" cy="9144000"/>
@@ -126,6 +131,11 @@
       </a:defRPr>
     </a:lvl9pPr>
   </p:defaultTextStyle>
+  <p:extLst>
+    <p:ext uri="{EFAFB233-063F-42B5-8137-9DF3F51BA10A}">
+      <p15:sldGuideLst xmlns:p15="http://schemas.microsoft.com/office/powerpoint/2012/main"/>
+    </p:ext>
+  </p:extLst>
 </p:presentation>
 </file>
 
@@ -260,7 +270,7 @@
           <a:p>
             <a:fld id="{5D6642D9-235C-4288-A4D6-6A0F4D9741BD}" type="datetimeFigureOut">
               <a:rPr lang="pt-BR" smtClean="0"/>
-              <a:t>02/09/2015</a:t>
+              <a:t>03/09/2015</a:t>
             </a:fld>
             <a:endParaRPr lang="pt-BR"/>
           </a:p>
@@ -430,7 +440,7 @@
           <a:p>
             <a:fld id="{5D6642D9-235C-4288-A4D6-6A0F4D9741BD}" type="datetimeFigureOut">
               <a:rPr lang="pt-BR" smtClean="0"/>
-              <a:t>02/09/2015</a:t>
+              <a:t>03/09/2015</a:t>
             </a:fld>
             <a:endParaRPr lang="pt-BR"/>
           </a:p>
@@ -610,7 +620,7 @@
           <a:p>
             <a:fld id="{5D6642D9-235C-4288-A4D6-6A0F4D9741BD}" type="datetimeFigureOut">
               <a:rPr lang="pt-BR" smtClean="0"/>
-              <a:t>02/09/2015</a:t>
+              <a:t>03/09/2015</a:t>
             </a:fld>
             <a:endParaRPr lang="pt-BR"/>
           </a:p>
@@ -780,7 +790,7 @@
           <a:p>
             <a:fld id="{5D6642D9-235C-4288-A4D6-6A0F4D9741BD}" type="datetimeFigureOut">
               <a:rPr lang="pt-BR" smtClean="0"/>
-              <a:t>02/09/2015</a:t>
+              <a:t>03/09/2015</a:t>
             </a:fld>
             <a:endParaRPr lang="pt-BR"/>
           </a:p>
@@ -1026,7 +1036,7 @@
           <a:p>
             <a:fld id="{5D6642D9-235C-4288-A4D6-6A0F4D9741BD}" type="datetimeFigureOut">
               <a:rPr lang="pt-BR" smtClean="0"/>
-              <a:t>02/09/2015</a:t>
+              <a:t>03/09/2015</a:t>
             </a:fld>
             <a:endParaRPr lang="pt-BR"/>
           </a:p>
@@ -1258,7 +1268,7 @@
           <a:p>
             <a:fld id="{5D6642D9-235C-4288-A4D6-6A0F4D9741BD}" type="datetimeFigureOut">
               <a:rPr lang="pt-BR" smtClean="0"/>
-              <a:t>02/09/2015</a:t>
+              <a:t>03/09/2015</a:t>
             </a:fld>
             <a:endParaRPr lang="pt-BR"/>
           </a:p>
@@ -1625,7 +1635,7 @@
           <a:p>
             <a:fld id="{5D6642D9-235C-4288-A4D6-6A0F4D9741BD}" type="datetimeFigureOut">
               <a:rPr lang="pt-BR" smtClean="0"/>
-              <a:t>02/09/2015</a:t>
+              <a:t>03/09/2015</a:t>
             </a:fld>
             <a:endParaRPr lang="pt-BR"/>
           </a:p>
@@ -1743,7 +1753,7 @@
           <a:p>
             <a:fld id="{5D6642D9-235C-4288-A4D6-6A0F4D9741BD}" type="datetimeFigureOut">
               <a:rPr lang="pt-BR" smtClean="0"/>
-              <a:t>02/09/2015</a:t>
+              <a:t>03/09/2015</a:t>
             </a:fld>
             <a:endParaRPr lang="pt-BR"/>
           </a:p>
@@ -1838,7 +1848,7 @@
           <a:p>
             <a:fld id="{5D6642D9-235C-4288-A4D6-6A0F4D9741BD}" type="datetimeFigureOut">
               <a:rPr lang="pt-BR" smtClean="0"/>
-              <a:t>02/09/2015</a:t>
+              <a:t>03/09/2015</a:t>
             </a:fld>
             <a:endParaRPr lang="pt-BR"/>
           </a:p>
@@ -2115,7 +2125,7 @@
           <a:p>
             <a:fld id="{5D6642D9-235C-4288-A4D6-6A0F4D9741BD}" type="datetimeFigureOut">
               <a:rPr lang="pt-BR" smtClean="0"/>
-              <a:t>02/09/2015</a:t>
+              <a:t>03/09/2015</a:t>
             </a:fld>
             <a:endParaRPr lang="pt-BR"/>
           </a:p>
@@ -2368,7 +2378,7 @@
           <a:p>
             <a:fld id="{5D6642D9-235C-4288-A4D6-6A0F4D9741BD}" type="datetimeFigureOut">
               <a:rPr lang="pt-BR" smtClean="0"/>
-              <a:t>02/09/2015</a:t>
+              <a:t>03/09/2015</a:t>
             </a:fld>
             <a:endParaRPr lang="pt-BR"/>
           </a:p>
@@ -2581,7 +2591,7 @@
           <a:p>
             <a:fld id="{5D6642D9-235C-4288-A4D6-6A0F4D9741BD}" type="datetimeFigureOut">
               <a:rPr lang="pt-BR" smtClean="0"/>
-              <a:t>02/09/2015</a:t>
+              <a:t>03/09/2015</a:t>
             </a:fld>
             <a:endParaRPr lang="pt-BR"/>
           </a:p>
@@ -3001,7 +3011,11 @@
           <a:bodyPr/>
           <a:lstStyle/>
           <a:p>
-            <a:endParaRPr lang="pt-BR"/>
+            <a:r>
+              <a:rPr lang="pt-BR" dirty="0" err="1" smtClean="0"/>
+              <a:t>AngularJS</a:t>
+            </a:r>
+            <a:endParaRPr lang="pt-BR" dirty="0"/>
           </a:p>
         </p:txBody>
       </p:sp>
@@ -3020,7 +3034,7 @@
           <a:bodyPr/>
           <a:lstStyle/>
           <a:p>
-            <a:endParaRPr lang="pt-BR"/>
+            <a:endParaRPr lang="pt-BR" dirty="0"/>
           </a:p>
         </p:txBody>
       </p:sp>
@@ -3855,16 +3869,24 @@
           <a:lstStyle/>
           <a:p>
             <a:r>
-              <a:rPr lang="pt-BR" dirty="0" smtClean="0"/>
-              <a:t>Por que utilizar </a:t>
-            </a:r>
-            <a:r>
-              <a:rPr lang="pt-BR" dirty="0" err="1" smtClean="0"/>
-              <a:t>AngularJS</a:t>
-            </a:r>
-            <a:r>
-              <a:rPr lang="pt-BR" dirty="0" smtClean="0"/>
-              <a:t>?</a:t>
+              <a:rPr lang="pt-BR" dirty="0" err="1" smtClean="0"/>
+              <a:t>Javascript</a:t>
+            </a:r>
+            <a:r>
+              <a:rPr lang="pt-BR" dirty="0" smtClean="0"/>
+              <a:t> </a:t>
+            </a:r>
+            <a:r>
+              <a:rPr lang="pt-BR" dirty="0" err="1" smtClean="0"/>
+              <a:t>is</a:t>
+            </a:r>
+            <a:r>
+              <a:rPr lang="pt-BR" dirty="0" smtClean="0"/>
+              <a:t> </a:t>
+            </a:r>
+            <a:r>
+              <a:rPr lang="pt-BR" dirty="0" err="1" smtClean="0"/>
+              <a:t>fun</a:t>
             </a:r>
             <a:endParaRPr lang="pt-BR" dirty="0"/>
           </a:p>
@@ -3887,50 +3909,77 @@
           <a:p>
             <a:r>
               <a:rPr lang="pt-BR" dirty="0" smtClean="0"/>
-              <a:t>Resolve todos os problemas do </a:t>
-            </a:r>
-            <a:r>
-              <a:rPr lang="pt-BR" dirty="0" err="1" smtClean="0"/>
-              <a:t>javascript</a:t>
-            </a:r>
+              <a:t>O que deveria conter:</a:t>
+            </a:r>
+          </a:p>
+          <a:p>
+            <a:pPr marL="0" indent="0">
+              <a:buNone/>
+            </a:pPr>
+            <a:endParaRPr lang="pt-BR" dirty="0" smtClean="0"/>
+          </a:p>
+          <a:p>
+            <a:pPr marL="0" indent="0">
+              <a:buNone/>
+            </a:pPr>
+            <a:r>
+              <a:rPr lang="pt-BR" b="1" dirty="0"/>
+              <a:t>(</a:t>
+            </a:r>
+            <a:r>
+              <a:rPr lang="pt-BR" b="1" dirty="0" err="1"/>
+              <a:t>function</a:t>
+            </a:r>
+            <a:r>
+              <a:rPr lang="pt-BR" b="1" dirty="0"/>
+              <a:t> () {</a:t>
+            </a:r>
+          </a:p>
+          <a:p>
+            <a:pPr marL="0" indent="0">
+              <a:buNone/>
+            </a:pPr>
+            <a:r>
+              <a:rPr lang="pt-BR" b="1" dirty="0"/>
+              <a:t>    "use </a:t>
+            </a:r>
+            <a:r>
+              <a:rPr lang="pt-BR" b="1" dirty="0" err="1" smtClean="0"/>
+              <a:t>strict</a:t>
+            </a:r>
+            <a:r>
+              <a:rPr lang="pt-BR" b="1" dirty="0" smtClean="0"/>
+              <a:t>";</a:t>
+            </a:r>
+          </a:p>
+          <a:p>
+            <a:pPr marL="0" indent="0">
+              <a:buNone/>
+            </a:pPr>
+            <a:r>
+              <a:rPr lang="pt-BR" b="1" dirty="0" smtClean="0"/>
+              <a:t>})();</a:t>
+            </a:r>
+          </a:p>
+          <a:p>
+            <a:pPr marL="0" indent="0">
+              <a:buNone/>
+            </a:pPr>
             <a:endParaRPr lang="pt-BR" dirty="0"/>
           </a:p>
-        </p:txBody>
-      </p:sp>
-      <p:pic>
-        <p:nvPicPr>
-          <p:cNvPr id="4" name="Imagem 3"/>
-          <p:cNvPicPr>
-            <a:picLocks noChangeAspect="1"/>
-          </p:cNvPicPr>
-          <p:nvPr/>
-        </p:nvPicPr>
-        <p:blipFill>
-          <a:blip r:embed="rId2">
-            <a:extLst>
-              <a:ext uri="{28A0092B-C50C-407E-A947-70E740481C1C}">
-                <a14:useLocalDpi xmlns:a14="http://schemas.microsoft.com/office/drawing/2010/main" val="0"/>
-              </a:ext>
-            </a:extLst>
-          </a:blip>
-          <a:stretch>
-            <a:fillRect/>
-          </a:stretch>
-        </p:blipFill>
-        <p:spPr>
-          <a:xfrm>
-            <a:off x="3181350" y="2727325"/>
-            <a:ext cx="4762500" cy="3105150"/>
-          </a:xfrm>
-          <a:prstGeom prst="rect">
-            <a:avLst/>
-          </a:prstGeom>
-        </p:spPr>
-      </p:pic>
+          <a:p>
+            <a:r>
+              <a:rPr lang="pt-BR" dirty="0" smtClean="0"/>
+              <a:t>Por que?</a:t>
+            </a:r>
+            <a:endParaRPr lang="pt-BR" dirty="0"/>
+          </a:p>
+        </p:txBody>
+      </p:sp>
     </p:spTree>
     <p:extLst>
       <p:ext uri="{BB962C8B-B14F-4D97-AF65-F5344CB8AC3E}">
-        <p14:creationId xmlns:p14="http://schemas.microsoft.com/office/powerpoint/2010/main" val="2383152283"/>
+        <p14:creationId xmlns:p14="http://schemas.microsoft.com/office/powerpoint/2010/main" val="1952006487"/>
       </p:ext>
     </p:extLst>
   </p:cSld>
@@ -3973,16 +4022,24 @@
           <a:lstStyle/>
           <a:p>
             <a:r>
-              <a:rPr lang="pt-BR" dirty="0" smtClean="0"/>
-              <a:t>Por que utilizar </a:t>
-            </a:r>
-            <a:r>
-              <a:rPr lang="pt-BR" dirty="0" err="1" smtClean="0"/>
-              <a:t>AngularJS</a:t>
-            </a:r>
-            <a:r>
-              <a:rPr lang="pt-BR" dirty="0" smtClean="0"/>
-              <a:t>?</a:t>
+              <a:rPr lang="pt-BR" dirty="0" err="1" smtClean="0"/>
+              <a:t>Javascript</a:t>
+            </a:r>
+            <a:r>
+              <a:rPr lang="pt-BR" dirty="0" smtClean="0"/>
+              <a:t> </a:t>
+            </a:r>
+            <a:r>
+              <a:rPr lang="pt-BR" dirty="0" err="1" smtClean="0"/>
+              <a:t>is</a:t>
+            </a:r>
+            <a:r>
+              <a:rPr lang="pt-BR" dirty="0" smtClean="0"/>
+              <a:t> </a:t>
+            </a:r>
+            <a:r>
+              <a:rPr lang="pt-BR" dirty="0" err="1" smtClean="0"/>
+              <a:t>fun</a:t>
             </a:r>
             <a:endParaRPr lang="pt-BR" dirty="0"/>
           </a:p>
@@ -4000,79 +4057,64 @@
         </p:nvSpPr>
         <p:spPr/>
         <p:txBody>
-          <a:bodyPr/>
-          <a:lstStyle/>
-          <a:p>
-            <a:r>
-              <a:rPr lang="pt-BR" dirty="0" smtClean="0"/>
-              <a:t>Testável ( mesmo que ainda não esteja utilizado desta forma no Conecta – </a:t>
-            </a:r>
-            <a:r>
-              <a:rPr lang="pt-BR" dirty="0" err="1" smtClean="0"/>
-              <a:t>Jasmine</a:t>
-            </a:r>
-            <a:r>
-              <a:rPr lang="pt-BR" dirty="0" smtClean="0"/>
-              <a:t>, motivo de seguir as famosas “boas práticas” ).</a:t>
-            </a:r>
-          </a:p>
-          <a:p>
-            <a:pPr marL="0" indent="0">
-              <a:buNone/>
-            </a:pPr>
-            <a:endParaRPr lang="pt-BR" dirty="0" smtClean="0"/>
-          </a:p>
-          <a:p>
-            <a:r>
-              <a:rPr lang="pt-BR" dirty="0" smtClean="0"/>
-              <a:t>Fornece ferramentas para ajudar a organizar o código.</a:t>
-            </a:r>
-          </a:p>
-          <a:p>
-            <a:endParaRPr lang="pt-BR" dirty="0"/>
-          </a:p>
-          <a:p>
-            <a:r>
-              <a:rPr lang="pt-BR" dirty="0" smtClean="0"/>
-              <a:t>2-way data </a:t>
-            </a:r>
-            <a:r>
-              <a:rPr lang="pt-BR" dirty="0" err="1" smtClean="0"/>
-              <a:t>binding</a:t>
-            </a:r>
-            <a:r>
-              <a:rPr lang="pt-BR" dirty="0" smtClean="0"/>
-              <a:t> ( mudanças na tela, refletem no </a:t>
-            </a:r>
-            <a:r>
-              <a:rPr lang="pt-BR" dirty="0" err="1" smtClean="0"/>
-              <a:t>viewModel</a:t>
-            </a:r>
-            <a:r>
-              <a:rPr lang="pt-BR" dirty="0" smtClean="0"/>
-              <a:t> )</a:t>
-            </a:r>
-          </a:p>
-          <a:p>
-            <a:endParaRPr lang="pt-BR" dirty="0"/>
-          </a:p>
-          <a:p>
-            <a:r>
-              <a:rPr lang="pt-BR" dirty="0" smtClean="0"/>
-              <a:t>Mesmo não fazendo milagres... </a:t>
-            </a:r>
+          <a:bodyPr>
+            <a:normAutofit/>
+          </a:bodyPr>
+          <a:lstStyle/>
+          <a:p>
+            <a:r>
+              <a:rPr lang="pt-BR" sz="3200" b="1" dirty="0" smtClean="0"/>
+              <a:t>Por que utilizar “</a:t>
+            </a:r>
+            <a:r>
+              <a:rPr lang="pt-BR" sz="3200" b="1" dirty="0" err="1" smtClean="0"/>
+              <a:t>Imediately-invoked</a:t>
+            </a:r>
+            <a:r>
+              <a:rPr lang="pt-BR" sz="3200" b="1" dirty="0" smtClean="0"/>
+              <a:t> </a:t>
+            </a:r>
+            <a:r>
+              <a:rPr lang="pt-BR" sz="3200" b="1" dirty="0" err="1" smtClean="0"/>
+              <a:t>function</a:t>
+            </a:r>
+            <a:r>
+              <a:rPr lang="pt-BR" sz="3200" b="1" dirty="0" smtClean="0"/>
+              <a:t> </a:t>
+            </a:r>
+            <a:r>
+              <a:rPr lang="pt-BR" sz="3200" b="1" dirty="0" err="1" smtClean="0"/>
+              <a:t>expression</a:t>
+            </a:r>
+            <a:r>
+              <a:rPr lang="pt-BR" sz="3200" b="1" dirty="0" smtClean="0"/>
+              <a:t>” (IIFE)?</a:t>
+            </a:r>
+          </a:p>
+          <a:p>
+            <a:endParaRPr lang="pt-BR" sz="3200" b="1" dirty="0"/>
+          </a:p>
+          <a:p>
+            <a:pPr lvl="1"/>
             <a:r>
               <a:rPr lang="pt-BR" b="1" dirty="0" smtClean="0"/>
-              <a:t>TESTÁVEL!</a:t>
-            </a:r>
-            <a:endParaRPr lang="pt-BR" b="1" dirty="0"/>
+              <a:t>Não expõe propriedades/métodos no escopo global. (</a:t>
+            </a:r>
+            <a:r>
+              <a:rPr lang="pt-BR" b="1" i="1" dirty="0" err="1" smtClean="0"/>
+              <a:t>window</a:t>
+            </a:r>
+            <a:r>
+              <a:rPr lang="pt-BR" b="1" dirty="0" smtClean="0"/>
+              <a:t>)</a:t>
+            </a:r>
           </a:p>
         </p:txBody>
       </p:sp>
     </p:spTree>
     <p:extLst>
       <p:ext uri="{BB962C8B-B14F-4D97-AF65-F5344CB8AC3E}">
-        <p14:creationId xmlns:p14="http://schemas.microsoft.com/office/powerpoint/2010/main" val="2938632881"/>
+        <p14:creationId xmlns:p14="http://schemas.microsoft.com/office/powerpoint/2010/main" val="3751411963"/>
       </p:ext>
     </p:extLst>
   </p:cSld>
@@ -4116,19 +4158,23 @@
           <a:p>
             <a:r>
               <a:rPr lang="pt-BR" dirty="0" err="1" smtClean="0"/>
-              <a:t>AngularJS</a:t>
-            </a:r>
-            <a:r>
-              <a:rPr lang="pt-BR" dirty="0" smtClean="0"/>
-              <a:t> - </a:t>
-            </a:r>
-            <a:r>
-              <a:rPr lang="pt-BR" dirty="0" err="1" smtClean="0"/>
-              <a:t>Step</a:t>
-            </a:r>
-            <a:r>
-              <a:rPr lang="pt-BR" dirty="0" smtClean="0"/>
-              <a:t> 1</a:t>
+              <a:t>Javascript</a:t>
+            </a:r>
+            <a:r>
+              <a:rPr lang="pt-BR" dirty="0" smtClean="0"/>
+              <a:t> </a:t>
+            </a:r>
+            <a:r>
+              <a:rPr lang="pt-BR" dirty="0" err="1" smtClean="0"/>
+              <a:t>is</a:t>
+            </a:r>
+            <a:r>
+              <a:rPr lang="pt-BR" dirty="0" smtClean="0"/>
+              <a:t> </a:t>
+            </a:r>
+            <a:r>
+              <a:rPr lang="pt-BR" dirty="0" err="1" smtClean="0"/>
+              <a:t>fun</a:t>
             </a:r>
             <a:endParaRPr lang="pt-BR" dirty="0"/>
           </a:p>
@@ -4147,266 +4193,159 @@
         <p:spPr/>
         <p:txBody>
           <a:bodyPr>
-            <a:normAutofit fontScale="32500" lnSpcReduction="20000"/>
+            <a:normAutofit/>
           </a:bodyPr>
           <a:lstStyle/>
           <a:p>
             <a:r>
-              <a:rPr lang="pt-BR" sz="4400" b="1" dirty="0" err="1" smtClean="0"/>
-              <a:t>View</a:t>
-            </a:r>
-            <a:endParaRPr lang="pt-BR" sz="4400" b="1" dirty="0" smtClean="0"/>
+              <a:rPr lang="pt-BR" sz="3200" b="1" dirty="0" smtClean="0"/>
+              <a:t>Por que utilizar “use </a:t>
+            </a:r>
+            <a:r>
+              <a:rPr lang="pt-BR" sz="3200" b="1" dirty="0" err="1" smtClean="0"/>
+              <a:t>strict</a:t>
+            </a:r>
+            <a:r>
+              <a:rPr lang="pt-BR" sz="3200" b="1" dirty="0" smtClean="0"/>
+              <a:t>”</a:t>
+            </a:r>
+          </a:p>
+          <a:p>
+            <a:endParaRPr lang="pt-BR" sz="3200" b="1" dirty="0"/>
           </a:p>
           <a:p>
             <a:pPr lvl="1"/>
             <a:r>
-              <a:rPr lang="pt-BR" sz="4000" dirty="0" smtClean="0"/>
-              <a:t>O que o usuário vê (DOM).</a:t>
-            </a:r>
-          </a:p>
-          <a:p>
-            <a:r>
-              <a:rPr lang="pt-BR" sz="4400" b="1" dirty="0" smtClean="0"/>
-              <a:t>Data </a:t>
-            </a:r>
-            <a:r>
-              <a:rPr lang="pt-BR" sz="4400" b="1" dirty="0" err="1" smtClean="0"/>
-              <a:t>Binding</a:t>
-            </a:r>
-            <a:endParaRPr lang="pt-BR" sz="4400" b="1" dirty="0" smtClean="0"/>
+              <a:rPr lang="pt-BR" b="1" dirty="0" smtClean="0"/>
+              <a:t>Bloqueia a criação de variáveis globais omitindo “var”</a:t>
+            </a:r>
+          </a:p>
+          <a:p>
+            <a:pPr lvl="2"/>
+            <a:r>
+              <a:rPr lang="pt-BR" b="1" dirty="0" smtClean="0"/>
+              <a:t>var </a:t>
+            </a:r>
+            <a:r>
+              <a:rPr lang="pt-BR" b="1" dirty="0" err="1" smtClean="0"/>
+              <a:t>myVar</a:t>
+            </a:r>
+            <a:r>
+              <a:rPr lang="pt-BR" b="1" dirty="0" smtClean="0"/>
+              <a:t>;</a:t>
+            </a:r>
+            <a:endParaRPr lang="pt-BR" b="1" dirty="0" smtClean="0"/>
+          </a:p>
+          <a:p>
+            <a:pPr lvl="2"/>
+            <a:r>
+              <a:rPr lang="pt-BR" b="1" dirty="0" err="1" smtClean="0"/>
+              <a:t>mistypedVar</a:t>
+            </a:r>
+            <a:r>
+              <a:rPr lang="pt-BR" b="1" dirty="0" smtClean="0"/>
+              <a:t> = 1; // </a:t>
+            </a:r>
+            <a:r>
+              <a:rPr lang="pt-BR" b="1" dirty="0" err="1" smtClean="0"/>
+              <a:t>throws</a:t>
+            </a:r>
+            <a:r>
+              <a:rPr lang="pt-BR" b="1" dirty="0" smtClean="0"/>
+              <a:t> </a:t>
+            </a:r>
+            <a:r>
+              <a:rPr lang="pt-BR" b="1" dirty="0" err="1" smtClean="0"/>
+              <a:t>ReferenceError</a:t>
+            </a:r>
+            <a:r>
+              <a:rPr lang="pt-BR" b="1" dirty="0" smtClean="0"/>
+              <a:t>, pois não existe; </a:t>
+            </a:r>
           </a:p>
           <a:p>
             <a:pPr lvl="1"/>
             <a:r>
-              <a:rPr lang="pt-BR" sz="4000" dirty="0" smtClean="0"/>
-              <a:t>Sincroniza os dados entre o </a:t>
-            </a:r>
-            <a:r>
-              <a:rPr lang="pt-BR" sz="4000" dirty="0" err="1" smtClean="0"/>
-              <a:t>model</a:t>
-            </a:r>
-            <a:r>
-              <a:rPr lang="pt-BR" sz="4000" dirty="0" smtClean="0"/>
-              <a:t> e a </a:t>
-            </a:r>
-            <a:r>
-              <a:rPr lang="pt-BR" sz="4000" dirty="0" err="1" smtClean="0"/>
-              <a:t>view</a:t>
-            </a:r>
-            <a:r>
-              <a:rPr lang="pt-BR" sz="4000" dirty="0" smtClean="0"/>
-              <a:t>.</a:t>
-            </a:r>
-          </a:p>
-          <a:p>
-            <a:r>
-              <a:rPr lang="pt-BR" sz="4400" b="1" dirty="0" err="1" smtClean="0"/>
-              <a:t>Directives</a:t>
-            </a:r>
-            <a:endParaRPr lang="pt-BR" sz="4400" b="1" dirty="0" smtClean="0"/>
+              <a:rPr lang="pt-BR" b="1" dirty="0" smtClean="0"/>
+              <a:t>Propriedades repetidas</a:t>
+            </a:r>
+          </a:p>
+          <a:p>
+            <a:pPr lvl="2"/>
+            <a:r>
+              <a:rPr lang="pt-BR" b="1" dirty="0"/>
+              <a:t>var o = { p: 1, p: 2 }; // !!! </a:t>
+            </a:r>
+            <a:r>
+              <a:rPr lang="pt-BR" b="1" dirty="0" err="1"/>
+              <a:t>syntax</a:t>
+            </a:r>
+            <a:r>
+              <a:rPr lang="pt-BR" b="1" dirty="0"/>
+              <a:t> </a:t>
+            </a:r>
+            <a:r>
+              <a:rPr lang="pt-BR" b="1" dirty="0" err="1" smtClean="0"/>
+              <a:t>error</a:t>
+            </a:r>
+            <a:endParaRPr lang="pt-BR" b="1" dirty="0" smtClean="0"/>
           </a:p>
           <a:p>
             <a:pPr lvl="1"/>
             <a:r>
-              <a:rPr lang="pt-BR" sz="4000" dirty="0" smtClean="0"/>
-              <a:t>Único lugar aonde uma aplicação deveria estar manipulando o DOM.</a:t>
-            </a:r>
-          </a:p>
-          <a:p>
-            <a:r>
-              <a:rPr lang="pt-BR" sz="4400" b="1" dirty="0" err="1" smtClean="0"/>
-              <a:t>Controllers</a:t>
-            </a:r>
-            <a:endParaRPr lang="pt-BR" sz="4400" b="1" dirty="0" smtClean="0"/>
+              <a:rPr lang="pt-BR" b="1" dirty="0" smtClean="0"/>
+              <a:t>Octal </a:t>
+            </a:r>
+            <a:r>
+              <a:rPr lang="pt-BR" b="1" dirty="0" err="1" smtClean="0"/>
+              <a:t>syntax</a:t>
+            </a:r>
+            <a:r>
+              <a:rPr lang="pt-BR" b="1" dirty="0" smtClean="0"/>
+              <a:t> ( Números com prefixo </a:t>
+            </a:r>
+            <a:r>
+              <a:rPr lang="pt-BR" b="1" i="1" dirty="0" smtClean="0"/>
+              <a:t>0</a:t>
+            </a:r>
+            <a:r>
+              <a:rPr lang="pt-BR" b="1" dirty="0" smtClean="0"/>
+              <a:t> )</a:t>
+            </a:r>
+          </a:p>
+          <a:p>
+            <a:pPr lvl="2"/>
+            <a:r>
+              <a:rPr lang="nn-NO" b="1" dirty="0"/>
+              <a:t>var sum = 015 </a:t>
+            </a:r>
+            <a:r>
+              <a:rPr lang="nn-NO" b="1" dirty="0" smtClean="0"/>
+              <a:t>+ 100; </a:t>
+            </a:r>
+            <a:r>
+              <a:rPr lang="nn-NO" b="1" dirty="0"/>
+              <a:t>// !!! syntax </a:t>
+            </a:r>
+            <a:r>
+              <a:rPr lang="nn-NO" b="1" dirty="0" smtClean="0"/>
+              <a:t>error</a:t>
+            </a:r>
           </a:p>
           <a:p>
             <a:pPr lvl="1"/>
             <a:r>
-              <a:rPr lang="pt-BR" sz="4000" dirty="0" smtClean="0"/>
-              <a:t>Responsáveis pelas regras de negócio por trás das </a:t>
-            </a:r>
-            <a:r>
-              <a:rPr lang="pt-BR" sz="4000" dirty="0" err="1" smtClean="0"/>
-              <a:t>views</a:t>
-            </a:r>
-            <a:r>
-              <a:rPr lang="pt-BR" sz="4000" dirty="0" smtClean="0"/>
-              <a:t> (Deveriam ser simples).</a:t>
-            </a:r>
-          </a:p>
-          <a:p>
-            <a:r>
-              <a:rPr lang="pt-BR" sz="4400" b="1" dirty="0" smtClean="0"/>
-              <a:t>Services</a:t>
-            </a:r>
-          </a:p>
-          <a:p>
-            <a:pPr lvl="1"/>
-            <a:r>
-              <a:rPr lang="pt-BR" sz="4000" dirty="0" smtClean="0"/>
-              <a:t>Responsáveis pelas regras de negócio reusáveis independente das </a:t>
-            </a:r>
-            <a:r>
-              <a:rPr lang="pt-BR" sz="4000" dirty="0" err="1" smtClean="0"/>
-              <a:t>views</a:t>
-            </a:r>
-            <a:r>
-              <a:rPr lang="pt-BR" sz="4000" dirty="0" smtClean="0"/>
-              <a:t>.</a:t>
-            </a:r>
-          </a:p>
-          <a:p>
-            <a:r>
-              <a:rPr lang="pt-BR" sz="4400" b="1" dirty="0" err="1" smtClean="0"/>
-              <a:t>Scopes</a:t>
-            </a:r>
-            <a:endParaRPr lang="pt-BR" sz="4400" b="1" dirty="0" smtClean="0"/>
-          </a:p>
-          <a:p>
-            <a:pPr lvl="1"/>
-            <a:r>
-              <a:rPr lang="pt-BR" sz="4000" dirty="0" smtClean="0"/>
-              <a:t>Contexto aonde o </a:t>
-            </a:r>
-            <a:r>
-              <a:rPr lang="pt-BR" sz="4000" dirty="0" err="1" smtClean="0"/>
-              <a:t>model</a:t>
-            </a:r>
-            <a:r>
-              <a:rPr lang="pt-BR" sz="4000" dirty="0" smtClean="0"/>
-              <a:t> é armazenado para que </a:t>
-            </a:r>
-            <a:r>
-              <a:rPr lang="pt-BR" sz="4000" dirty="0" err="1" smtClean="0"/>
-              <a:t>controllers</a:t>
-            </a:r>
-            <a:r>
-              <a:rPr lang="pt-BR" sz="4000" dirty="0" smtClean="0"/>
-              <a:t>, </a:t>
-            </a:r>
-            <a:r>
-              <a:rPr lang="pt-BR" sz="4000" dirty="0" err="1" smtClean="0"/>
-              <a:t>directives</a:t>
-            </a:r>
-            <a:r>
-              <a:rPr lang="pt-BR" sz="4000" dirty="0" smtClean="0"/>
-              <a:t> e </a:t>
-            </a:r>
-            <a:r>
-              <a:rPr lang="pt-BR" sz="4000" dirty="0" err="1" smtClean="0"/>
-              <a:t>expressions</a:t>
-            </a:r>
-            <a:r>
-              <a:rPr lang="pt-BR" sz="4000" dirty="0" smtClean="0"/>
-              <a:t> possam acessá-lo.</a:t>
-            </a:r>
-          </a:p>
-          <a:p>
-            <a:r>
-              <a:rPr lang="pt-BR" sz="4400" b="1" dirty="0" err="1" smtClean="0"/>
-              <a:t>Expressions</a:t>
-            </a:r>
-            <a:endParaRPr lang="pt-BR" sz="4400" b="1" dirty="0" smtClean="0"/>
-          </a:p>
-          <a:p>
-            <a:pPr lvl="1"/>
-            <a:r>
-              <a:rPr lang="pt-BR" sz="4000" dirty="0" smtClean="0"/>
-              <a:t>Acessam variáveis e funções do </a:t>
-            </a:r>
-            <a:r>
-              <a:rPr lang="pt-BR" sz="4000" dirty="0" err="1" smtClean="0"/>
-              <a:t>scope</a:t>
-            </a:r>
-            <a:r>
-              <a:rPr lang="pt-BR" sz="4000" dirty="0" smtClean="0"/>
-              <a:t> a partir da </a:t>
-            </a:r>
-            <a:r>
-              <a:rPr lang="pt-BR" sz="4000" dirty="0" err="1" smtClean="0"/>
-              <a:t>view</a:t>
-            </a:r>
-            <a:r>
-              <a:rPr lang="pt-BR" sz="4000" dirty="0" smtClean="0"/>
-              <a:t>.</a:t>
-            </a:r>
-          </a:p>
-          <a:p>
-            <a:r>
-              <a:rPr lang="pt-BR" sz="4400" b="1" dirty="0" err="1" smtClean="0"/>
-              <a:t>Filters</a:t>
-            </a:r>
-            <a:endParaRPr lang="pt-BR" sz="4400" b="1" dirty="0" smtClean="0"/>
-          </a:p>
-          <a:p>
-            <a:pPr lvl="1"/>
-            <a:r>
-              <a:rPr lang="pt-BR" sz="4000" dirty="0" smtClean="0"/>
-              <a:t>Formatam o valor de uma </a:t>
-            </a:r>
-            <a:r>
-              <a:rPr lang="pt-BR" sz="4000" dirty="0" err="1" smtClean="0"/>
-              <a:t>expression</a:t>
-            </a:r>
-            <a:r>
-              <a:rPr lang="pt-BR" sz="4000" dirty="0" smtClean="0"/>
-              <a:t> para apresentar ao usuário.</a:t>
-            </a:r>
-          </a:p>
-          <a:p>
-            <a:r>
-              <a:rPr lang="pt-BR" sz="4400" b="1" dirty="0" smtClean="0"/>
-              <a:t>Module</a:t>
-            </a:r>
-          </a:p>
-          <a:p>
-            <a:pPr lvl="1"/>
-            <a:r>
-              <a:rPr lang="pt-BR" sz="4000" dirty="0" smtClean="0"/>
-              <a:t>Container para diferentes partes de um aplicativo, incluindo </a:t>
-            </a:r>
-            <a:r>
-              <a:rPr lang="pt-BR" sz="4000" dirty="0" err="1" smtClean="0"/>
-              <a:t>controllers</a:t>
-            </a:r>
-            <a:r>
-              <a:rPr lang="pt-BR" sz="4000" dirty="0" smtClean="0"/>
-              <a:t>, </a:t>
-            </a:r>
-            <a:r>
-              <a:rPr lang="pt-BR" sz="4000" dirty="0" err="1" smtClean="0"/>
-              <a:t>services</a:t>
-            </a:r>
-            <a:r>
-              <a:rPr lang="pt-BR" sz="4000" dirty="0" smtClean="0"/>
-              <a:t>, </a:t>
-            </a:r>
-            <a:r>
-              <a:rPr lang="pt-BR" sz="4000" dirty="0" err="1" smtClean="0"/>
-              <a:t>filters</a:t>
-            </a:r>
-            <a:r>
-              <a:rPr lang="pt-BR" sz="4000" dirty="0" smtClean="0"/>
-              <a:t>, </a:t>
-            </a:r>
-            <a:r>
-              <a:rPr lang="pt-BR" sz="4000" dirty="0" err="1" smtClean="0"/>
-              <a:t>directives</a:t>
-            </a:r>
-            <a:r>
-              <a:rPr lang="pt-BR" sz="4000" dirty="0" smtClean="0"/>
-              <a:t>.</a:t>
-            </a:r>
-          </a:p>
-          <a:p>
-            <a:endParaRPr lang="pt-BR" b="1" dirty="0"/>
+              <a:rPr lang="nn-NO" b="1" dirty="0" smtClean="0"/>
+              <a:t>E mais...</a:t>
+            </a:r>
+            <a:endParaRPr lang="pt-BR" b="1" dirty="0" smtClean="0"/>
           </a:p>
         </p:txBody>
       </p:sp>
     </p:spTree>
     <p:extLst>
       <p:ext uri="{BB962C8B-B14F-4D97-AF65-F5344CB8AC3E}">
-        <p14:creationId xmlns:p14="http://schemas.microsoft.com/office/powerpoint/2010/main" val="3434633813"/>
+        <p14:creationId xmlns:p14="http://schemas.microsoft.com/office/powerpoint/2010/main" val="3087634369"/>
       </p:ext>
     </p:extLst>
   </p:cSld>
@@ -4449,20 +4388,16 @@
           <a:lstStyle/>
           <a:p>
             <a:r>
+              <a:rPr lang="pt-BR" dirty="0" smtClean="0"/>
+              <a:t>Por que utilizar </a:t>
+            </a:r>
+            <a:r>
               <a:rPr lang="pt-BR" dirty="0" err="1" smtClean="0"/>
               <a:t>AngularJS</a:t>
             </a:r>
             <a:r>
               <a:rPr lang="pt-BR" dirty="0" smtClean="0"/>
-              <a:t> - </a:t>
-            </a:r>
-            <a:r>
-              <a:rPr lang="pt-BR" dirty="0" err="1" smtClean="0"/>
-              <a:t>Step</a:t>
-            </a:r>
-            <a:r>
-              <a:rPr lang="pt-BR" dirty="0" smtClean="0"/>
-              <a:t> 2</a:t>
+              <a:t>?</a:t>
             </a:r>
             <a:endParaRPr lang="pt-BR" dirty="0"/>
           </a:p>
@@ -4480,21 +4415,88 @@
         </p:nvSpPr>
         <p:spPr/>
         <p:txBody>
-          <a:bodyPr/>
-          <a:lstStyle/>
-          <a:p>
-            <a:r>
-              <a:rPr lang="pt-BR" sz="4000" dirty="0" err="1" smtClean="0"/>
-              <a:t>Controllers</a:t>
-            </a:r>
-            <a:endParaRPr lang="pt-BR" sz="4000" dirty="0"/>
-          </a:p>
-        </p:txBody>
-      </p:sp>
+          <a:bodyPr>
+            <a:normAutofit fontScale="92500" lnSpcReduction="20000"/>
+          </a:bodyPr>
+          <a:lstStyle/>
+          <a:p>
+            <a:r>
+              <a:rPr lang="pt-BR" dirty="0" smtClean="0"/>
+              <a:t>Resolve todos os problemas do </a:t>
+            </a:r>
+            <a:r>
+              <a:rPr lang="pt-BR" dirty="0" err="1" smtClean="0"/>
+              <a:t>javascript</a:t>
+            </a:r>
+            <a:endParaRPr lang="pt-BR" dirty="0" smtClean="0"/>
+          </a:p>
+          <a:p>
+            <a:endParaRPr lang="pt-BR" dirty="0" smtClean="0"/>
+          </a:p>
+          <a:p>
+            <a:endParaRPr lang="pt-BR" dirty="0"/>
+          </a:p>
+          <a:p>
+            <a:endParaRPr lang="pt-BR" dirty="0" smtClean="0"/>
+          </a:p>
+          <a:p>
+            <a:endParaRPr lang="pt-BR" dirty="0"/>
+          </a:p>
+          <a:p>
+            <a:endParaRPr lang="pt-BR" dirty="0" smtClean="0"/>
+          </a:p>
+          <a:p>
+            <a:endParaRPr lang="pt-BR" dirty="0"/>
+          </a:p>
+          <a:p>
+            <a:endParaRPr lang="pt-BR" dirty="0" smtClean="0"/>
+          </a:p>
+          <a:p>
+            <a:endParaRPr lang="pt-BR" dirty="0" smtClean="0"/>
+          </a:p>
+          <a:p>
+            <a:r>
+              <a:rPr lang="pt-BR" dirty="0" smtClean="0"/>
+              <a:t>SQN</a:t>
+            </a:r>
+            <a:endParaRPr lang="pt-BR" dirty="0"/>
+          </a:p>
+        </p:txBody>
+      </p:sp>
+      <p:pic>
+        <p:nvPicPr>
+          <p:cNvPr id="4" name="Imagem 3"/>
+          <p:cNvPicPr>
+            <a:picLocks noChangeAspect="1"/>
+          </p:cNvPicPr>
+          <p:nvPr/>
+        </p:nvPicPr>
+        <p:blipFill>
+          <a:blip r:embed="rId2">
+            <a:extLst>
+              <a:ext uri="{28A0092B-C50C-407E-A947-70E740481C1C}">
+                <a14:useLocalDpi xmlns:a14="http://schemas.microsoft.com/office/drawing/2010/main" val="0"/>
+              </a:ext>
+            </a:extLst>
+          </a:blip>
+          <a:stretch>
+            <a:fillRect/>
+          </a:stretch>
+        </p:blipFill>
+        <p:spPr>
+          <a:xfrm>
+            <a:off x="3536950" y="2448719"/>
+            <a:ext cx="4762500" cy="3105150"/>
+          </a:xfrm>
+          <a:prstGeom prst="rect">
+            <a:avLst/>
+          </a:prstGeom>
+        </p:spPr>
+      </p:pic>
     </p:spTree>
     <p:extLst>
       <p:ext uri="{BB962C8B-B14F-4D97-AF65-F5344CB8AC3E}">
-        <p14:creationId xmlns:p14="http://schemas.microsoft.com/office/powerpoint/2010/main" val="4193026737"/>
+        <p14:creationId xmlns:p14="http://schemas.microsoft.com/office/powerpoint/2010/main" val="2383152283"/>
       </p:ext>
     </p:extLst>
   </p:cSld>
@@ -4537,20 +4539,16 @@
           <a:lstStyle/>
           <a:p>
             <a:r>
+              <a:rPr lang="pt-BR" dirty="0" smtClean="0"/>
+              <a:t>Por que utilizar </a:t>
+            </a:r>
+            <a:r>
               <a:rPr lang="pt-BR" dirty="0" err="1" smtClean="0"/>
               <a:t>AngularJS</a:t>
             </a:r>
             <a:r>
               <a:rPr lang="pt-BR" dirty="0" smtClean="0"/>
-              <a:t> - </a:t>
-            </a:r>
-            <a:r>
-              <a:rPr lang="pt-BR" dirty="0" err="1" smtClean="0"/>
-              <a:t>Step</a:t>
-            </a:r>
-            <a:r>
-              <a:rPr lang="pt-BR" dirty="0" smtClean="0"/>
-              <a:t> 3</a:t>
+              <a:t>?</a:t>
             </a:r>
             <a:endParaRPr lang="pt-BR" dirty="0"/>
           </a:p>
@@ -4572,37 +4570,75 @@
           <a:lstStyle/>
           <a:p>
             <a:r>
-              <a:rPr lang="pt-BR" sz="4000" dirty="0" smtClean="0"/>
-              <a:t>Data </a:t>
-            </a:r>
-            <a:r>
-              <a:rPr lang="pt-BR" sz="4000" dirty="0" err="1" smtClean="0"/>
+              <a:rPr lang="pt-BR" dirty="0" smtClean="0"/>
+              <a:t>Testável ( mesmo que ainda não esteja utilizado desta forma no Conecta – </a:t>
+            </a:r>
+            <a:r>
+              <a:rPr lang="pt-BR" dirty="0" err="1" smtClean="0"/>
+              <a:t>Jasmine</a:t>
+            </a:r>
+            <a:r>
+              <a:rPr lang="pt-BR" dirty="0" smtClean="0"/>
+              <a:t>, motivo de seguir as famosas “boas práticas” ).</a:t>
+            </a:r>
+          </a:p>
+          <a:p>
+            <a:pPr marL="0" indent="0">
+              <a:buNone/>
+            </a:pPr>
+            <a:endParaRPr lang="pt-BR" dirty="0" smtClean="0"/>
+          </a:p>
+          <a:p>
+            <a:r>
+              <a:rPr lang="pt-BR" dirty="0" smtClean="0"/>
+              <a:t>Fornece ferramentas para ajudar a organizar o código.</a:t>
+            </a:r>
+          </a:p>
+          <a:p>
+            <a:endParaRPr lang="pt-BR" dirty="0"/>
+          </a:p>
+          <a:p>
+            <a:r>
+              <a:rPr lang="pt-BR" dirty="0" smtClean="0"/>
+              <a:t>2-way data </a:t>
+            </a:r>
+            <a:r>
+              <a:rPr lang="pt-BR" dirty="0" err="1" smtClean="0"/>
               <a:t>binding</a:t>
             </a:r>
-            <a:endParaRPr lang="pt-BR" sz="4000" dirty="0" smtClean="0"/>
-          </a:p>
-          <a:p>
-            <a:pPr lvl="1"/>
-            <a:r>
-              <a:rPr lang="pt-BR" dirty="0" smtClean="0"/>
-              <a:t>Lembrar de mostrar </a:t>
-            </a:r>
-            <a:r>
-              <a:rPr lang="pt-BR" dirty="0" err="1" smtClean="0"/>
-              <a:t>scope</a:t>
-            </a:r>
-            <a:r>
-              <a:rPr lang="pt-BR" dirty="0" smtClean="0"/>
-              <a:t>.</a:t>
-            </a:r>
+            <a:r>
+              <a:rPr lang="pt-BR" dirty="0" smtClean="0"/>
+              <a:t> ( mudanças na tela, refletem no </a:t>
+            </a:r>
+            <a:r>
+              <a:rPr lang="pt-BR" dirty="0" err="1" smtClean="0"/>
+              <a:t>viewModel</a:t>
+            </a:r>
+            <a:r>
+              <a:rPr lang="pt-BR" dirty="0" smtClean="0"/>
+              <a:t> )</a:t>
+            </a:r>
+          </a:p>
+          <a:p>
             <a:endParaRPr lang="pt-BR" dirty="0"/>
+          </a:p>
+          <a:p>
+            <a:r>
+              <a:rPr lang="pt-BR" dirty="0" smtClean="0"/>
+              <a:t>Mesmo não fazendo milagres... </a:t>
+            </a:r>
+            <a:r>
+              <a:rPr lang="pt-BR" b="1" dirty="0" smtClean="0"/>
+              <a:t>TESTÁVEL!</a:t>
+            </a:r>
+            <a:endParaRPr lang="pt-BR" b="1" dirty="0"/>
           </a:p>
         </p:txBody>
       </p:sp>
     </p:spTree>
     <p:extLst>
       <p:ext uri="{BB962C8B-B14F-4D97-AF65-F5344CB8AC3E}">
-        <p14:creationId xmlns:p14="http://schemas.microsoft.com/office/powerpoint/2010/main" val="890173011"/>
+        <p14:creationId xmlns:p14="http://schemas.microsoft.com/office/powerpoint/2010/main" val="2938632881"/>
       </p:ext>
     </p:extLst>
   </p:cSld>
@@ -4650,15 +4686,11 @@
             </a:r>
             <a:r>
               <a:rPr lang="pt-BR" dirty="0" smtClean="0"/>
-              <a:t> - </a:t>
-            </a:r>
-            <a:r>
-              <a:rPr lang="pt-BR" dirty="0" err="1" smtClean="0"/>
-              <a:t>Step</a:t>
-            </a:r>
-            <a:r>
-              <a:rPr lang="pt-BR" dirty="0" smtClean="0"/>
-              <a:t> 4</a:t>
+              <a:t> – </a:t>
+            </a:r>
+            <a:r>
+              <a:rPr lang="pt-BR" dirty="0" smtClean="0"/>
+              <a:t>Erros comuns</a:t>
             </a:r>
             <a:endParaRPr lang="pt-BR" dirty="0"/>
           </a:p>
@@ -4680,17 +4712,132 @@
           <a:lstStyle/>
           <a:p>
             <a:r>
-              <a:rPr lang="pt-BR" sz="4000" dirty="0" smtClean="0"/>
-              <a:t>Services</a:t>
-            </a:r>
-            <a:endParaRPr lang="pt-BR" sz="4000" dirty="0"/>
+              <a:rPr lang="pt-BR" dirty="0" smtClean="0"/>
+              <a:t>Acessar </a:t>
+            </a:r>
+            <a:r>
+              <a:rPr lang="pt-BR" dirty="0" err="1" smtClean="0"/>
+              <a:t>scope</a:t>
+            </a:r>
+            <a:r>
+              <a:rPr lang="pt-BR" dirty="0"/>
+              <a:t> </a:t>
+            </a:r>
+            <a:r>
+              <a:rPr lang="pt-BR" dirty="0" smtClean="0"/>
+              <a:t>através do DOM.</a:t>
+            </a:r>
+          </a:p>
+          <a:p>
+            <a:pPr lvl="1"/>
+            <a:r>
+              <a:rPr lang="pt-BR" dirty="0" err="1" smtClean="0"/>
+              <a:t>angular.elemento</a:t>
+            </a:r>
+            <a:r>
+              <a:rPr lang="pt-BR" dirty="0" smtClean="0"/>
+              <a:t>(</a:t>
+            </a:r>
+            <a:r>
+              <a:rPr lang="pt-BR" dirty="0" err="1" smtClean="0"/>
+              <a:t>document.body</a:t>
+            </a:r>
+            <a:r>
+              <a:rPr lang="pt-BR" dirty="0" smtClean="0"/>
+              <a:t>).</a:t>
+            </a:r>
+            <a:r>
+              <a:rPr lang="pt-BR" dirty="0" err="1" smtClean="0"/>
+              <a:t>scope</a:t>
+            </a:r>
+            <a:r>
+              <a:rPr lang="pt-BR" dirty="0" smtClean="0"/>
+              <a:t>()</a:t>
+            </a:r>
+          </a:p>
+          <a:p>
+            <a:pPr lvl="2"/>
+            <a:r>
+              <a:rPr lang="pt-BR" dirty="0" smtClean="0"/>
+              <a:t>Se $</a:t>
+            </a:r>
+            <a:r>
+              <a:rPr lang="pt-BR" dirty="0" err="1" smtClean="0"/>
+              <a:t>compileProvider.debugInfoEnabled</a:t>
+            </a:r>
+            <a:r>
+              <a:rPr lang="pt-BR" dirty="0" smtClean="0"/>
+              <a:t> = false, retorna </a:t>
+            </a:r>
+            <a:r>
+              <a:rPr lang="pt-BR" i="1" dirty="0" err="1" smtClean="0"/>
+              <a:t>undefined</a:t>
+            </a:r>
+            <a:endParaRPr lang="pt-BR" i="1" dirty="0"/>
+          </a:p>
+          <a:p>
+            <a:r>
+              <a:rPr lang="pt-BR" dirty="0" smtClean="0"/>
+              <a:t>Não ter um ponto no seu </a:t>
+            </a:r>
+            <a:r>
+              <a:rPr lang="pt-BR" dirty="0" err="1" smtClean="0"/>
+              <a:t>ngModel</a:t>
+            </a:r>
+            <a:r>
+              <a:rPr lang="pt-BR" dirty="0" smtClean="0"/>
+              <a:t> ou outros lugares onde deveria (</a:t>
+            </a:r>
+            <a:r>
+              <a:rPr lang="pt-BR" i="1" dirty="0" smtClean="0"/>
+              <a:t>DON’T BIND TO PRIMITIVES!</a:t>
+            </a:r>
+            <a:r>
+              <a:rPr lang="pt-BR" dirty="0" smtClean="0"/>
+              <a:t>)</a:t>
+            </a:r>
+          </a:p>
+          <a:p>
+            <a:r>
+              <a:rPr lang="pt-BR" dirty="0" smtClean="0"/>
+              <a:t>Não utilizar </a:t>
+            </a:r>
+            <a:r>
+              <a:rPr lang="pt-BR" dirty="0" err="1" smtClean="0"/>
+              <a:t>controllerAs</a:t>
+            </a:r>
+            <a:endParaRPr lang="pt-BR" dirty="0" smtClean="0"/>
+          </a:p>
+          <a:p>
+            <a:r>
+              <a:rPr lang="pt-BR" dirty="0" smtClean="0"/>
+              <a:t>Manipulação de DOM no </a:t>
+            </a:r>
+            <a:r>
+              <a:rPr lang="pt-BR" dirty="0" err="1" smtClean="0"/>
+              <a:t>controller</a:t>
+            </a:r>
+            <a:endParaRPr lang="pt-BR" dirty="0" smtClean="0"/>
+          </a:p>
+          <a:p>
+            <a:r>
+              <a:rPr lang="pt-BR" dirty="0" err="1" smtClean="0"/>
+              <a:t>Controller</a:t>
+            </a:r>
+            <a:r>
+              <a:rPr lang="pt-BR" dirty="0" smtClean="0"/>
+              <a:t> resolvendo os problemas do mundo</a:t>
+            </a:r>
+          </a:p>
+          <a:p>
+            <a:endParaRPr lang="pt-BR" dirty="0"/>
           </a:p>
         </p:txBody>
       </p:sp>
     </p:spTree>
     <p:extLst>
       <p:ext uri="{BB962C8B-B14F-4D97-AF65-F5344CB8AC3E}">
-        <p14:creationId xmlns:p14="http://schemas.microsoft.com/office/powerpoint/2010/main" val="1907786168"/>
+        <p14:creationId xmlns:p14="http://schemas.microsoft.com/office/powerpoint/2010/main" val="642402062"/>
       </p:ext>
     </p:extLst>
   </p:cSld>
@@ -4851,15 +4998,11 @@
             </a:r>
             <a:r>
               <a:rPr lang="pt-BR" dirty="0" smtClean="0"/>
-              <a:t> - </a:t>
-            </a:r>
-            <a:r>
-              <a:rPr lang="pt-BR" dirty="0" err="1" smtClean="0"/>
-              <a:t>Step</a:t>
-            </a:r>
-            <a:r>
-              <a:rPr lang="pt-BR" dirty="0" smtClean="0"/>
-              <a:t> 5</a:t>
+              <a:t> – </a:t>
+            </a:r>
+            <a:r>
+              <a:rPr lang="pt-BR" dirty="0" smtClean="0"/>
+              <a:t>Por que existem boas práticas?</a:t>
             </a:r>
             <a:endParaRPr lang="pt-BR" dirty="0"/>
           </a:p>
@@ -4877,27 +5020,48 @@
         </p:nvSpPr>
         <p:spPr/>
         <p:txBody>
-          <a:bodyPr>
-            <a:normAutofit/>
-          </a:bodyPr>
-          <a:lstStyle/>
-          <a:p>
-            <a:r>
-              <a:rPr lang="pt-BR" sz="4000" dirty="0" err="1" smtClean="0"/>
-              <a:t>Async</a:t>
-            </a:r>
-            <a:r>
-              <a:rPr lang="pt-BR" sz="4000" dirty="0" smtClean="0"/>
-              <a:t> Services</a:t>
-            </a:r>
-            <a:endParaRPr lang="pt-BR" sz="4000" dirty="0"/>
+          <a:bodyPr/>
+          <a:lstStyle/>
+          <a:p>
+            <a:r>
+              <a:rPr lang="pt-BR" dirty="0" smtClean="0"/>
+              <a:t>Alg</a:t>
+            </a:r>
+            <a:r>
+              <a:rPr lang="pt-BR" dirty="0" smtClean="0"/>
+              <a:t>uém já sofreu, e viu que não é legal fazer certas coisas.</a:t>
+            </a:r>
+          </a:p>
+          <a:p>
+            <a:pPr lvl="1"/>
+            <a:r>
+              <a:rPr lang="pt-BR" dirty="0" smtClean="0"/>
+              <a:t>Difícil de manter? Difícil de testar? Difícil de ler?</a:t>
+            </a:r>
+          </a:p>
+          <a:p>
+            <a:endParaRPr lang="pt-BR" dirty="0"/>
+          </a:p>
+          <a:p>
+            <a:r>
+              <a:rPr lang="pt-BR" dirty="0" smtClean="0"/>
+              <a:t>Ler: </a:t>
+            </a:r>
+            <a:r>
+              <a:rPr lang="pt-BR" dirty="0"/>
+              <a:t>https://github.com/johnpapa/angular-styleguide</a:t>
+            </a:r>
+            <a:endParaRPr lang="pt-BR" dirty="0" smtClean="0"/>
+          </a:p>
+          <a:p>
+            <a:endParaRPr lang="pt-BR" dirty="0"/>
           </a:p>
         </p:txBody>
       </p:sp>
     </p:spTree>
     <p:extLst>
       <p:ext uri="{BB962C8B-B14F-4D97-AF65-F5344CB8AC3E}">
-        <p14:creationId xmlns:p14="http://schemas.microsoft.com/office/powerpoint/2010/main" val="1782399889"/>
+        <p14:creationId xmlns:p14="http://schemas.microsoft.com/office/powerpoint/2010/main" val="236765377"/>
       </p:ext>
     </p:extLst>
   </p:cSld>
@@ -4953,7 +5117,7 @@
             </a:r>
             <a:r>
               <a:rPr lang="pt-BR" dirty="0" smtClean="0"/>
-              <a:t> 6</a:t>
+              <a:t> 1</a:t>
             </a:r>
             <a:endParaRPr lang="pt-BR" dirty="0"/>
           </a:p>
@@ -4971,105 +5135,267 @@
         </p:nvSpPr>
         <p:spPr/>
         <p:txBody>
-          <a:bodyPr/>
-          <a:lstStyle/>
-          <a:p>
+          <a:bodyPr>
+            <a:normAutofit fontScale="32500" lnSpcReduction="20000"/>
+          </a:bodyPr>
+          <a:lstStyle/>
+          <a:p>
+            <a:r>
+              <a:rPr lang="pt-BR" sz="4400" b="1" dirty="0" err="1" smtClean="0"/>
+              <a:t>View</a:t>
+            </a:r>
+            <a:endParaRPr lang="pt-BR" sz="4400" b="1" dirty="0" smtClean="0"/>
+          </a:p>
+          <a:p>
+            <a:pPr lvl="1"/>
+            <a:r>
+              <a:rPr lang="pt-BR" sz="4000" dirty="0" smtClean="0"/>
+              <a:t>O que o usuário vê (DOM).</a:t>
+            </a:r>
+          </a:p>
+          <a:p>
+            <a:r>
+              <a:rPr lang="pt-BR" sz="4400" b="1" dirty="0" smtClean="0"/>
+              <a:t>Data </a:t>
+            </a:r>
+            <a:r>
+              <a:rPr lang="pt-BR" sz="4400" b="1" dirty="0" err="1" smtClean="0"/>
+              <a:t>Binding</a:t>
+            </a:r>
+            <a:endParaRPr lang="pt-BR" sz="4400" b="1" dirty="0" smtClean="0"/>
+          </a:p>
+          <a:p>
+            <a:pPr lvl="1"/>
+            <a:r>
+              <a:rPr lang="pt-BR" sz="4000" dirty="0" smtClean="0"/>
+              <a:t>Sincroniza os dados entre o </a:t>
+            </a:r>
             <a:r>
               <a:rPr lang="pt-BR" sz="4000" dirty="0" err="1" smtClean="0"/>
-              <a:t>Promises</a:t>
-            </a:r>
-            <a:endParaRPr lang="pt-BR" sz="4000" dirty="0" smtClean="0"/>
-          </a:p>
-          <a:p>
-            <a:r>
-              <a:rPr lang="pt-BR" dirty="0" smtClean="0"/>
-              <a:t>Chain (Simulação)</a:t>
-            </a:r>
+              <a:t>model</a:t>
+            </a:r>
+            <a:r>
+              <a:rPr lang="pt-BR" sz="4000" dirty="0" smtClean="0"/>
+              <a:t> e a </a:t>
+            </a:r>
+            <a:r>
+              <a:rPr lang="pt-BR" sz="4000" dirty="0" err="1" smtClean="0"/>
+              <a:t>view</a:t>
+            </a:r>
+            <a:r>
+              <a:rPr lang="pt-BR" sz="4000" dirty="0" smtClean="0"/>
+              <a:t>.</a:t>
+            </a:r>
+          </a:p>
+          <a:p>
+            <a:r>
+              <a:rPr lang="pt-BR" sz="4400" b="1" dirty="0" err="1" smtClean="0"/>
+              <a:t>Directives</a:t>
+            </a:r>
+            <a:endParaRPr lang="pt-BR" sz="4400" b="1" dirty="0" smtClean="0"/>
           </a:p>
           <a:p>
             <a:pPr lvl="1"/>
             <a:r>
-              <a:rPr lang="pt-BR" dirty="0" smtClean="0"/>
-              <a:t>Chamar serviço $</a:t>
-            </a:r>
-            <a:r>
-              <a:rPr lang="pt-BR" dirty="0" err="1" smtClean="0"/>
-              <a:t>http</a:t>
-            </a:r>
-            <a:r>
-              <a:rPr lang="pt-BR" dirty="0" smtClean="0"/>
-              <a:t> que pode falhar. ( </a:t>
-            </a:r>
-            <a:r>
-              <a:rPr lang="pt-BR" dirty="0" err="1" smtClean="0"/>
-              <a:t>promise</a:t>
-            </a:r>
-            <a:r>
-              <a:rPr lang="pt-BR" dirty="0" smtClean="0"/>
-              <a:t> 1 )</a:t>
-            </a:r>
+              <a:rPr lang="pt-BR" sz="4000" dirty="0" smtClean="0"/>
+              <a:t>Único lugar aonde uma aplicação deveria estar manipulando o DOM.</a:t>
+            </a:r>
+          </a:p>
+          <a:p>
+            <a:r>
+              <a:rPr lang="pt-BR" sz="4400" b="1" dirty="0" err="1" smtClean="0"/>
+              <a:t>Controllers</a:t>
+            </a:r>
+            <a:endParaRPr lang="pt-BR" sz="4400" b="1" dirty="0" smtClean="0"/>
           </a:p>
           <a:p>
             <a:pPr lvl="1"/>
             <a:r>
-              <a:rPr lang="pt-BR" dirty="0" smtClean="0"/>
-              <a:t>Mostrar mensagem de erro em caso de falha.</a:t>
+              <a:rPr lang="pt-BR" sz="4000" dirty="0" smtClean="0"/>
+              <a:t>Responsáveis pelas regras de negócio por trás das </a:t>
+            </a:r>
+            <a:r>
+              <a:rPr lang="pt-BR" sz="4000" dirty="0" err="1" smtClean="0"/>
+              <a:t>views</a:t>
+            </a:r>
+            <a:r>
+              <a:rPr lang="pt-BR" sz="4000" dirty="0" smtClean="0"/>
+              <a:t> (Deveriam ser simples).</a:t>
+            </a:r>
+          </a:p>
+          <a:p>
+            <a:r>
+              <a:rPr lang="pt-BR" sz="4400" b="1" dirty="0" smtClean="0"/>
+              <a:t>Services</a:t>
             </a:r>
           </a:p>
           <a:p>
             <a:pPr lvl="1"/>
             <a:r>
-              <a:rPr lang="pt-BR" dirty="0" smtClean="0"/>
-              <a:t>Quando receber uma resposta de sucesso atualizar dados, e depois mostrar os dados para o usuário. ( </a:t>
-            </a:r>
-            <a:r>
-              <a:rPr lang="pt-BR" dirty="0" err="1" smtClean="0"/>
-              <a:t>promise</a:t>
-            </a:r>
-            <a:r>
-              <a:rPr lang="pt-BR" dirty="0" smtClean="0"/>
-              <a:t> 2, 3 )</a:t>
-            </a:r>
+              <a:rPr lang="pt-BR" sz="4000" dirty="0" smtClean="0"/>
+              <a:t>Responsáveis pelas regras de negócio reusáveis independente das </a:t>
+            </a:r>
+            <a:r>
+              <a:rPr lang="pt-BR" sz="4000" dirty="0" err="1" smtClean="0"/>
+              <a:t>views</a:t>
+            </a:r>
+            <a:r>
+              <a:rPr lang="pt-BR" sz="4000" dirty="0" smtClean="0"/>
+              <a:t>.</a:t>
+            </a:r>
+          </a:p>
+          <a:p>
+            <a:r>
+              <a:rPr lang="pt-BR" sz="4400" b="1" dirty="0" err="1" smtClean="0"/>
+              <a:t>Scopes</a:t>
+            </a:r>
+            <a:endParaRPr lang="pt-BR" sz="4400" b="1" dirty="0" smtClean="0"/>
           </a:p>
           <a:p>
             <a:pPr lvl="1"/>
             <a:r>
-              <a:rPr lang="pt-BR" dirty="0" smtClean="0"/>
-              <a:t>Código funciona como o desejado?</a:t>
-            </a:r>
+              <a:rPr lang="pt-BR" sz="4000" dirty="0" smtClean="0"/>
+              <a:t>Contexto aonde o </a:t>
+            </a:r>
+            <a:r>
+              <a:rPr lang="pt-BR" sz="4000" dirty="0" err="1" smtClean="0"/>
+              <a:t>model</a:t>
+            </a:r>
+            <a:r>
+              <a:rPr lang="pt-BR" sz="4000" dirty="0" smtClean="0"/>
+              <a:t> é armazenado para que </a:t>
+            </a:r>
+            <a:r>
+              <a:rPr lang="pt-BR" sz="4000" dirty="0" err="1" smtClean="0"/>
+              <a:t>controllers</a:t>
+            </a:r>
+            <a:r>
+              <a:rPr lang="pt-BR" sz="4000" dirty="0" smtClean="0"/>
+              <a:t>, </a:t>
+            </a:r>
+            <a:r>
+              <a:rPr lang="pt-BR" sz="4000" dirty="0" err="1" smtClean="0"/>
+              <a:t>directives</a:t>
+            </a:r>
+            <a:r>
+              <a:rPr lang="pt-BR" sz="4000" dirty="0" smtClean="0"/>
+              <a:t> e </a:t>
+            </a:r>
+            <a:r>
+              <a:rPr lang="pt-BR" sz="4000" dirty="0" err="1" smtClean="0"/>
+              <a:t>expressions</a:t>
+            </a:r>
+            <a:r>
+              <a:rPr lang="pt-BR" sz="4000" dirty="0" smtClean="0"/>
+              <a:t> possam acessá-lo.</a:t>
+            </a:r>
+          </a:p>
+          <a:p>
+            <a:r>
+              <a:rPr lang="pt-BR" sz="4400" b="1" dirty="0" err="1" smtClean="0"/>
+              <a:t>Expressions</a:t>
+            </a:r>
+            <a:endParaRPr lang="pt-BR" sz="4400" b="1" dirty="0" smtClean="0"/>
           </a:p>
           <a:p>
             <a:pPr lvl="1"/>
-            <a:endParaRPr lang="pt-BR" dirty="0"/>
-          </a:p>
-          <a:p>
-            <a:r>
-              <a:rPr lang="pt-BR" dirty="0" smtClean="0"/>
-              <a:t>Obter dados (4fun)</a:t>
-            </a:r>
+            <a:r>
+              <a:rPr lang="pt-BR" sz="4000" dirty="0" smtClean="0"/>
+              <a:t>Acessam variáveis e funções do </a:t>
+            </a:r>
+            <a:r>
+              <a:rPr lang="pt-BR" sz="4000" dirty="0" err="1" smtClean="0"/>
+              <a:t>scope</a:t>
+            </a:r>
+            <a:r>
+              <a:rPr lang="pt-BR" sz="4000" dirty="0" smtClean="0"/>
+              <a:t> a partir da </a:t>
+            </a:r>
+            <a:r>
+              <a:rPr lang="pt-BR" sz="4000" dirty="0" err="1" smtClean="0"/>
+              <a:t>view</a:t>
+            </a:r>
+            <a:r>
+              <a:rPr lang="pt-BR" sz="4000" dirty="0" smtClean="0"/>
+              <a:t>.</a:t>
+            </a:r>
+          </a:p>
+          <a:p>
+            <a:r>
+              <a:rPr lang="pt-BR" sz="4400" b="1" dirty="0" err="1" smtClean="0"/>
+              <a:t>Filters</a:t>
+            </a:r>
+            <a:endParaRPr lang="pt-BR" sz="4400" b="1" dirty="0" smtClean="0"/>
           </a:p>
           <a:p>
             <a:pPr lvl="1"/>
             <a:r>
-              <a:rPr lang="pt-BR" dirty="0" smtClean="0"/>
-              <a:t>Alterar chamada de </a:t>
-            </a:r>
-            <a:r>
-              <a:rPr lang="pt-BR" dirty="0" err="1" smtClean="0"/>
-              <a:t>dadosDoServidor</a:t>
-            </a:r>
-            <a:r>
-              <a:rPr lang="pt-BR" dirty="0" smtClean="0"/>
-              <a:t> para dadosDoServidor2, funciona?</a:t>
-            </a:r>
-            <a:endParaRPr lang="pt-BR" dirty="0"/>
+              <a:rPr lang="pt-BR" sz="4000" dirty="0" smtClean="0"/>
+              <a:t>Formatam o valor de uma </a:t>
+            </a:r>
+            <a:r>
+              <a:rPr lang="pt-BR" sz="4000" dirty="0" err="1" smtClean="0"/>
+              <a:t>expression</a:t>
+            </a:r>
+            <a:r>
+              <a:rPr lang="pt-BR" sz="4000" dirty="0" smtClean="0"/>
+              <a:t> para apresentar ao usuário.</a:t>
+            </a:r>
+          </a:p>
+          <a:p>
+            <a:r>
+              <a:rPr lang="pt-BR" sz="4400" b="1" dirty="0" smtClean="0"/>
+              <a:t>Module</a:t>
+            </a:r>
+          </a:p>
+          <a:p>
+            <a:pPr lvl="1"/>
+            <a:r>
+              <a:rPr lang="pt-BR" sz="4000" dirty="0" smtClean="0"/>
+              <a:t>Container para diferentes partes de um aplicativo, incluindo </a:t>
+            </a:r>
+            <a:r>
+              <a:rPr lang="pt-BR" sz="4000" dirty="0" err="1" smtClean="0"/>
+              <a:t>controllers</a:t>
+            </a:r>
+            <a:r>
+              <a:rPr lang="pt-BR" sz="4000" dirty="0" smtClean="0"/>
+              <a:t>, </a:t>
+            </a:r>
+            <a:r>
+              <a:rPr lang="pt-BR" sz="4000" dirty="0" err="1" smtClean="0"/>
+              <a:t>services</a:t>
+            </a:r>
+            <a:r>
+              <a:rPr lang="pt-BR" sz="4000" dirty="0" smtClean="0"/>
+              <a:t>, </a:t>
+            </a:r>
+            <a:r>
+              <a:rPr lang="pt-BR" sz="4000" dirty="0" err="1" smtClean="0"/>
+              <a:t>filters</a:t>
+            </a:r>
+            <a:r>
+              <a:rPr lang="pt-BR" sz="4000" dirty="0" smtClean="0"/>
+              <a:t>, </a:t>
+            </a:r>
+            <a:r>
+              <a:rPr lang="pt-BR" sz="4000" dirty="0" err="1" smtClean="0"/>
+              <a:t>directives</a:t>
+            </a:r>
+            <a:r>
+              <a:rPr lang="pt-BR" sz="4000" dirty="0" smtClean="0"/>
+              <a:t>.</a:t>
+            </a:r>
+          </a:p>
+          <a:p>
+            <a:endParaRPr lang="pt-BR" b="1" dirty="0"/>
           </a:p>
         </p:txBody>
       </p:sp>
     </p:spTree>
     <p:extLst>
       <p:ext uri="{BB962C8B-B14F-4D97-AF65-F5344CB8AC3E}">
-        <p14:creationId xmlns:p14="http://schemas.microsoft.com/office/powerpoint/2010/main" val="4097398081"/>
+        <p14:creationId xmlns:p14="http://schemas.microsoft.com/office/powerpoint/2010/main" val="3434633813"/>
       </p:ext>
     </p:extLst>
   </p:cSld>
@@ -5125,7 +5451,7 @@
             </a:r>
             <a:r>
               <a:rPr lang="pt-BR" dirty="0" smtClean="0"/>
-              <a:t> 7</a:t>
+              <a:t> 2</a:t>
             </a:r>
             <a:endParaRPr lang="pt-BR" dirty="0"/>
           </a:p>
@@ -5148,40 +5474,40 @@
           <a:p>
             <a:r>
               <a:rPr lang="pt-BR" sz="4000" dirty="0" err="1" smtClean="0"/>
-              <a:t>Component</a:t>
-            </a:r>
-            <a:r>
-              <a:rPr lang="pt-BR" sz="4000" dirty="0" smtClean="0"/>
-              <a:t> </a:t>
-            </a:r>
-            <a:r>
-              <a:rPr lang="pt-BR" sz="4000" dirty="0" err="1" smtClean="0"/>
-              <a:t>Example</a:t>
+              <a:t>Controllers</a:t>
             </a:r>
             <a:endParaRPr lang="pt-BR" sz="4000" dirty="0" smtClean="0"/>
           </a:p>
           <a:p>
             <a:pPr lvl="1"/>
             <a:r>
-              <a:rPr lang="pt-BR" dirty="0" smtClean="0"/>
-              <a:t>Lembrar de mostrar </a:t>
-            </a:r>
-            <a:r>
-              <a:rPr lang="pt-BR" dirty="0" err="1" smtClean="0"/>
-              <a:t>scope</a:t>
-            </a:r>
-            <a:r>
-              <a:rPr lang="pt-BR" dirty="0" smtClean="0"/>
-              <a:t>.</a:t>
-            </a:r>
-            <a:endParaRPr lang="pt-BR" dirty="0"/>
+              <a:rPr lang="pt-BR" sz="3600" dirty="0" err="1" smtClean="0"/>
+              <a:t>ControllerAs</a:t>
+            </a:r>
+            <a:endParaRPr lang="pt-BR" sz="3600" dirty="0" smtClean="0"/>
+          </a:p>
+          <a:p>
+            <a:pPr lvl="1"/>
+            <a:r>
+              <a:rPr lang="pt-BR" sz="3600" dirty="0" err="1" smtClean="0"/>
+              <a:t>Jasmine</a:t>
+            </a:r>
+            <a:r>
+              <a:rPr lang="pt-BR" sz="3600" dirty="0" smtClean="0"/>
+              <a:t> – </a:t>
+            </a:r>
+            <a:r>
+              <a:rPr lang="pt-BR" sz="3600" dirty="0" err="1" smtClean="0"/>
+              <a:t>Basics</a:t>
+            </a:r>
+            <a:endParaRPr lang="pt-BR" sz="3600" dirty="0"/>
           </a:p>
         </p:txBody>
       </p:sp>
     </p:spTree>
     <p:extLst>
       <p:ext uri="{BB962C8B-B14F-4D97-AF65-F5344CB8AC3E}">
-        <p14:creationId xmlns:p14="http://schemas.microsoft.com/office/powerpoint/2010/main" val="3730333921"/>
+        <p14:creationId xmlns:p14="http://schemas.microsoft.com/office/powerpoint/2010/main" val="4193026737"/>
       </p:ext>
     </p:extLst>
   </p:cSld>
@@ -5232,8 +5558,12 @@
               <a:t> - </a:t>
             </a:r>
             <a:r>
-              <a:rPr lang="pt-BR" dirty="0" smtClean="0"/>
-              <a:t>Exercício</a:t>
+              <a:rPr lang="pt-BR" dirty="0" err="1" smtClean="0"/>
+              <a:t>Step</a:t>
+            </a:r>
+            <a:r>
+              <a:rPr lang="pt-BR" dirty="0" smtClean="0"/>
+              <a:t> 3</a:t>
             </a:r>
             <a:endParaRPr lang="pt-BR" dirty="0"/>
           </a:p>
@@ -5256,8 +5586,501 @@
           <a:p>
             <a:r>
               <a:rPr lang="pt-BR" sz="4000" dirty="0" smtClean="0"/>
-              <a:t>Modificar </a:t>
-            </a:r>
+              <a:t>Data </a:t>
+            </a:r>
+            <a:r>
+              <a:rPr lang="pt-BR" sz="4000" dirty="0" err="1" smtClean="0"/>
+              <a:t>binding</a:t>
+            </a:r>
+            <a:endParaRPr lang="pt-BR" sz="4000" dirty="0" smtClean="0"/>
+          </a:p>
+          <a:p>
+            <a:pPr lvl="1"/>
+            <a:r>
+              <a:rPr lang="pt-BR" dirty="0" smtClean="0"/>
+              <a:t>Lembrar de mostrar </a:t>
+            </a:r>
+            <a:r>
+              <a:rPr lang="pt-BR" dirty="0" err="1" smtClean="0"/>
+              <a:t>scope</a:t>
+            </a:r>
+            <a:r>
+              <a:rPr lang="pt-BR" dirty="0" smtClean="0"/>
+              <a:t>.</a:t>
+            </a:r>
+          </a:p>
+          <a:p>
+            <a:pPr lvl="1"/>
+            <a:r>
+              <a:rPr lang="pt-BR" dirty="0" smtClean="0"/>
+              <a:t>Falar sobre </a:t>
+            </a:r>
+            <a:r>
+              <a:rPr lang="pt-BR" dirty="0" err="1" smtClean="0"/>
+              <a:t>Prototype</a:t>
+            </a:r>
+            <a:r>
+              <a:rPr lang="pt-BR" dirty="0"/>
+              <a:t> </a:t>
+            </a:r>
+            <a:r>
+              <a:rPr lang="pt-BR" dirty="0" smtClean="0"/>
+              <a:t>(</a:t>
+            </a:r>
+            <a:r>
+              <a:rPr lang="pt-BR" dirty="0" err="1" smtClean="0"/>
+              <a:t>Primitives</a:t>
+            </a:r>
+            <a:r>
+              <a:rPr lang="pt-BR" dirty="0" smtClean="0"/>
+              <a:t>/</a:t>
+            </a:r>
+            <a:r>
+              <a:rPr lang="pt-BR" dirty="0" err="1" smtClean="0"/>
+              <a:t>Complex</a:t>
+            </a:r>
+            <a:r>
+              <a:rPr lang="pt-BR" dirty="0" smtClean="0"/>
+              <a:t>)</a:t>
+            </a:r>
+            <a:endParaRPr lang="pt-BR" dirty="0"/>
+          </a:p>
+        </p:txBody>
+      </p:sp>
+    </p:spTree>
+    <p:extLst>
+      <p:ext uri="{BB962C8B-B14F-4D97-AF65-F5344CB8AC3E}">
+        <p14:creationId xmlns:p14="http://schemas.microsoft.com/office/powerpoint/2010/main" val="890173011"/>
+      </p:ext>
+    </p:extLst>
+  </p:cSld>
+  <p:clrMapOvr>
+    <a:masterClrMapping/>
+  </p:clrMapOvr>
+</p:sld>
+</file>
+
+<file path=ppt/slides/slide24.xml><?xml version="1.0" encoding="utf-8"?>
+<p:sld xmlns:a="http://schemas.openxmlformats.org/drawingml/2006/main" xmlns:r="http://schemas.openxmlformats.org/officeDocument/2006/relationships" xmlns:p="http://schemas.openxmlformats.org/presentationml/2006/main">
+  <p:cSld>
+    <p:spTree>
+      <p:nvGrpSpPr>
+        <p:cNvPr id="1" name=""/>
+        <p:cNvGrpSpPr/>
+        <p:nvPr/>
+      </p:nvGrpSpPr>
+      <p:grpSpPr>
+        <a:xfrm>
+          <a:off x="0" y="0"/>
+          <a:ext cx="0" cy="0"/>
+          <a:chOff x="0" y="0"/>
+          <a:chExt cx="0" cy="0"/>
+        </a:xfrm>
+      </p:grpSpPr>
+      <p:sp>
+        <p:nvSpPr>
+          <p:cNvPr id="2" name="Título 1"/>
+          <p:cNvSpPr>
+            <a:spLocks noGrp="1"/>
+          </p:cNvSpPr>
+          <p:nvPr>
+            <p:ph type="title"/>
+          </p:nvPr>
+        </p:nvSpPr>
+        <p:spPr/>
+        <p:txBody>
+          <a:bodyPr/>
+          <a:lstStyle/>
+          <a:p>
+            <a:r>
+              <a:rPr lang="pt-BR" dirty="0" err="1" smtClean="0"/>
+              <a:t>AngularJS</a:t>
+            </a:r>
+            <a:r>
+              <a:rPr lang="pt-BR" dirty="0" smtClean="0"/>
+              <a:t> - </a:t>
+            </a:r>
+            <a:r>
+              <a:rPr lang="pt-BR" dirty="0" err="1" smtClean="0"/>
+              <a:t>Step</a:t>
+            </a:r>
+            <a:r>
+              <a:rPr lang="pt-BR" dirty="0" smtClean="0"/>
+              <a:t> 4</a:t>
+            </a:r>
+            <a:endParaRPr lang="pt-BR" dirty="0"/>
+          </a:p>
+        </p:txBody>
+      </p:sp>
+      <p:sp>
+        <p:nvSpPr>
+          <p:cNvPr id="3" name="Espaço Reservado para Conteúdo 2"/>
+          <p:cNvSpPr>
+            <a:spLocks noGrp="1"/>
+          </p:cNvSpPr>
+          <p:nvPr>
+            <p:ph idx="1"/>
+          </p:nvPr>
+        </p:nvSpPr>
+        <p:spPr/>
+        <p:txBody>
+          <a:bodyPr/>
+          <a:lstStyle/>
+          <a:p>
+            <a:r>
+              <a:rPr lang="pt-BR" sz="4000" dirty="0" smtClean="0"/>
+              <a:t>Services</a:t>
+            </a:r>
+            <a:endParaRPr lang="pt-BR" sz="4000" dirty="0"/>
+          </a:p>
+        </p:txBody>
+      </p:sp>
+    </p:spTree>
+    <p:extLst>
+      <p:ext uri="{BB962C8B-B14F-4D97-AF65-F5344CB8AC3E}">
+        <p14:creationId xmlns:p14="http://schemas.microsoft.com/office/powerpoint/2010/main" val="1907786168"/>
+      </p:ext>
+    </p:extLst>
+  </p:cSld>
+  <p:clrMapOvr>
+    <a:masterClrMapping/>
+  </p:clrMapOvr>
+</p:sld>
+</file>
+
+<file path=ppt/slides/slide25.xml><?xml version="1.0" encoding="utf-8"?>
+<p:sld xmlns:a="http://schemas.openxmlformats.org/drawingml/2006/main" xmlns:r="http://schemas.openxmlformats.org/officeDocument/2006/relationships" xmlns:p="http://schemas.openxmlformats.org/presentationml/2006/main">
+  <p:cSld>
+    <p:spTree>
+      <p:nvGrpSpPr>
+        <p:cNvPr id="1" name=""/>
+        <p:cNvGrpSpPr/>
+        <p:nvPr/>
+      </p:nvGrpSpPr>
+      <p:grpSpPr>
+        <a:xfrm>
+          <a:off x="0" y="0"/>
+          <a:ext cx="0" cy="0"/>
+          <a:chOff x="0" y="0"/>
+          <a:chExt cx="0" cy="0"/>
+        </a:xfrm>
+      </p:grpSpPr>
+      <p:sp>
+        <p:nvSpPr>
+          <p:cNvPr id="2" name="Título 1"/>
+          <p:cNvSpPr>
+            <a:spLocks noGrp="1"/>
+          </p:cNvSpPr>
+          <p:nvPr>
+            <p:ph type="title"/>
+          </p:nvPr>
+        </p:nvSpPr>
+        <p:spPr/>
+        <p:txBody>
+          <a:bodyPr/>
+          <a:lstStyle/>
+          <a:p>
+            <a:r>
+              <a:rPr lang="pt-BR" dirty="0" err="1" smtClean="0"/>
+              <a:t>AngularJS</a:t>
+            </a:r>
+            <a:r>
+              <a:rPr lang="pt-BR" dirty="0" smtClean="0"/>
+              <a:t> - </a:t>
+            </a:r>
+            <a:r>
+              <a:rPr lang="pt-BR" dirty="0" err="1" smtClean="0"/>
+              <a:t>Step</a:t>
+            </a:r>
+            <a:r>
+              <a:rPr lang="pt-BR" dirty="0" smtClean="0"/>
+              <a:t> 5</a:t>
+            </a:r>
+            <a:endParaRPr lang="pt-BR" dirty="0"/>
+          </a:p>
+        </p:txBody>
+      </p:sp>
+      <p:sp>
+        <p:nvSpPr>
+          <p:cNvPr id="3" name="Espaço Reservado para Conteúdo 2"/>
+          <p:cNvSpPr>
+            <a:spLocks noGrp="1"/>
+          </p:cNvSpPr>
+          <p:nvPr>
+            <p:ph idx="1"/>
+          </p:nvPr>
+        </p:nvSpPr>
+        <p:spPr/>
+        <p:txBody>
+          <a:bodyPr>
+            <a:normAutofit/>
+          </a:bodyPr>
+          <a:lstStyle/>
+          <a:p>
+            <a:r>
+              <a:rPr lang="pt-BR" sz="4000" dirty="0" err="1" smtClean="0"/>
+              <a:t>Async</a:t>
+            </a:r>
+            <a:r>
+              <a:rPr lang="pt-BR" sz="4000" dirty="0" smtClean="0"/>
+              <a:t> Services</a:t>
+            </a:r>
+            <a:endParaRPr lang="pt-BR" sz="4000" dirty="0"/>
+          </a:p>
+        </p:txBody>
+      </p:sp>
+    </p:spTree>
+    <p:extLst>
+      <p:ext uri="{BB962C8B-B14F-4D97-AF65-F5344CB8AC3E}">
+        <p14:creationId xmlns:p14="http://schemas.microsoft.com/office/powerpoint/2010/main" val="1782399889"/>
+      </p:ext>
+    </p:extLst>
+  </p:cSld>
+  <p:clrMapOvr>
+    <a:masterClrMapping/>
+  </p:clrMapOvr>
+</p:sld>
+</file>
+
+<file path=ppt/slides/slide26.xml><?xml version="1.0" encoding="utf-8"?>
+<p:sld xmlns:a="http://schemas.openxmlformats.org/drawingml/2006/main" xmlns:r="http://schemas.openxmlformats.org/officeDocument/2006/relationships" xmlns:p="http://schemas.openxmlformats.org/presentationml/2006/main">
+  <p:cSld>
+    <p:spTree>
+      <p:nvGrpSpPr>
+        <p:cNvPr id="1" name=""/>
+        <p:cNvGrpSpPr/>
+        <p:nvPr/>
+      </p:nvGrpSpPr>
+      <p:grpSpPr>
+        <a:xfrm>
+          <a:off x="0" y="0"/>
+          <a:ext cx="0" cy="0"/>
+          <a:chOff x="0" y="0"/>
+          <a:chExt cx="0" cy="0"/>
+        </a:xfrm>
+      </p:grpSpPr>
+      <p:sp>
+        <p:nvSpPr>
+          <p:cNvPr id="2" name="Título 1"/>
+          <p:cNvSpPr>
+            <a:spLocks noGrp="1"/>
+          </p:cNvSpPr>
+          <p:nvPr>
+            <p:ph type="title"/>
+          </p:nvPr>
+        </p:nvSpPr>
+        <p:spPr/>
+        <p:txBody>
+          <a:bodyPr/>
+          <a:lstStyle/>
+          <a:p>
+            <a:r>
+              <a:rPr lang="pt-BR" dirty="0" err="1" smtClean="0"/>
+              <a:t>AngularJS</a:t>
+            </a:r>
+            <a:r>
+              <a:rPr lang="pt-BR" dirty="0" smtClean="0"/>
+              <a:t> - </a:t>
+            </a:r>
+            <a:r>
+              <a:rPr lang="pt-BR" dirty="0" err="1" smtClean="0"/>
+              <a:t>Step</a:t>
+            </a:r>
+            <a:r>
+              <a:rPr lang="pt-BR" dirty="0" smtClean="0"/>
+              <a:t> 6</a:t>
+            </a:r>
+            <a:endParaRPr lang="pt-BR" dirty="0"/>
+          </a:p>
+        </p:txBody>
+      </p:sp>
+      <p:sp>
+        <p:nvSpPr>
+          <p:cNvPr id="3" name="Espaço Reservado para Conteúdo 2"/>
+          <p:cNvSpPr>
+            <a:spLocks noGrp="1"/>
+          </p:cNvSpPr>
+          <p:nvPr>
+            <p:ph idx="1"/>
+          </p:nvPr>
+        </p:nvSpPr>
+        <p:spPr/>
+        <p:txBody>
+          <a:bodyPr/>
+          <a:lstStyle/>
+          <a:p>
+            <a:r>
+              <a:rPr lang="pt-BR" sz="4000" dirty="0" err="1" smtClean="0"/>
+              <a:t>Promises</a:t>
+            </a:r>
+            <a:endParaRPr lang="pt-BR" sz="4000" dirty="0" smtClean="0"/>
+          </a:p>
+          <a:p>
+            <a:r>
+              <a:rPr lang="pt-BR" dirty="0" smtClean="0"/>
+              <a:t>Chain (Simulação)</a:t>
+            </a:r>
+          </a:p>
+          <a:p>
+            <a:pPr lvl="1"/>
+            <a:r>
+              <a:rPr lang="pt-BR" dirty="0" smtClean="0"/>
+              <a:t>Chamar serviço $</a:t>
+            </a:r>
+            <a:r>
+              <a:rPr lang="pt-BR" dirty="0" err="1" smtClean="0"/>
+              <a:t>http</a:t>
+            </a:r>
+            <a:r>
+              <a:rPr lang="pt-BR" dirty="0" smtClean="0"/>
+              <a:t> que pode falhar. ( </a:t>
+            </a:r>
+            <a:r>
+              <a:rPr lang="pt-BR" dirty="0" err="1" smtClean="0"/>
+              <a:t>promise</a:t>
+            </a:r>
+            <a:r>
+              <a:rPr lang="pt-BR" dirty="0" smtClean="0"/>
+              <a:t> 1 )</a:t>
+            </a:r>
+          </a:p>
+          <a:p>
+            <a:pPr lvl="1"/>
+            <a:r>
+              <a:rPr lang="pt-BR" dirty="0" smtClean="0"/>
+              <a:t>Mostrar mensagem de erro em caso de falha.</a:t>
+            </a:r>
+          </a:p>
+          <a:p>
+            <a:pPr lvl="1"/>
+            <a:r>
+              <a:rPr lang="pt-BR" dirty="0" smtClean="0"/>
+              <a:t>Quando receber uma resposta de sucesso atualizar dados, e depois mostrar os dados para o usuário. ( </a:t>
+            </a:r>
+            <a:r>
+              <a:rPr lang="pt-BR" dirty="0" err="1" smtClean="0"/>
+              <a:t>promise</a:t>
+            </a:r>
+            <a:r>
+              <a:rPr lang="pt-BR" dirty="0" smtClean="0"/>
+              <a:t> 2, 3 )</a:t>
+            </a:r>
+          </a:p>
+          <a:p>
+            <a:pPr lvl="1"/>
+            <a:r>
+              <a:rPr lang="pt-BR" dirty="0" smtClean="0"/>
+              <a:t>Código funciona como o desejado?</a:t>
+            </a:r>
+          </a:p>
+          <a:p>
+            <a:pPr lvl="1"/>
+            <a:endParaRPr lang="pt-BR" dirty="0"/>
+          </a:p>
+          <a:p>
+            <a:r>
+              <a:rPr lang="pt-BR" dirty="0" smtClean="0"/>
+              <a:t>Obter dados (4fun)</a:t>
+            </a:r>
+          </a:p>
+          <a:p>
+            <a:pPr lvl="1"/>
+            <a:r>
+              <a:rPr lang="pt-BR" dirty="0" smtClean="0"/>
+              <a:t>Alterar chamada de </a:t>
+            </a:r>
+            <a:r>
+              <a:rPr lang="pt-BR" dirty="0" err="1" smtClean="0"/>
+              <a:t>dadosDoServidor</a:t>
+            </a:r>
+            <a:r>
+              <a:rPr lang="pt-BR" dirty="0" smtClean="0"/>
+              <a:t> para dadosDoServidor2, funciona?</a:t>
+            </a:r>
+            <a:endParaRPr lang="pt-BR" dirty="0"/>
+          </a:p>
+        </p:txBody>
+      </p:sp>
+    </p:spTree>
+    <p:extLst>
+      <p:ext uri="{BB962C8B-B14F-4D97-AF65-F5344CB8AC3E}">
+        <p14:creationId xmlns:p14="http://schemas.microsoft.com/office/powerpoint/2010/main" val="4097398081"/>
+      </p:ext>
+    </p:extLst>
+  </p:cSld>
+  <p:clrMapOvr>
+    <a:masterClrMapping/>
+  </p:clrMapOvr>
+</p:sld>
+</file>
+
+<file path=ppt/slides/slide27.xml><?xml version="1.0" encoding="utf-8"?>
+<p:sld xmlns:a="http://schemas.openxmlformats.org/drawingml/2006/main" xmlns:r="http://schemas.openxmlformats.org/officeDocument/2006/relationships" xmlns:p="http://schemas.openxmlformats.org/presentationml/2006/main">
+  <p:cSld>
+    <p:spTree>
+      <p:nvGrpSpPr>
+        <p:cNvPr id="1" name=""/>
+        <p:cNvGrpSpPr/>
+        <p:nvPr/>
+      </p:nvGrpSpPr>
+      <p:grpSpPr>
+        <a:xfrm>
+          <a:off x="0" y="0"/>
+          <a:ext cx="0" cy="0"/>
+          <a:chOff x="0" y="0"/>
+          <a:chExt cx="0" cy="0"/>
+        </a:xfrm>
+      </p:grpSpPr>
+      <p:sp>
+        <p:nvSpPr>
+          <p:cNvPr id="2" name="Título 1"/>
+          <p:cNvSpPr>
+            <a:spLocks noGrp="1"/>
+          </p:cNvSpPr>
+          <p:nvPr>
+            <p:ph type="title"/>
+          </p:nvPr>
+        </p:nvSpPr>
+        <p:spPr/>
+        <p:txBody>
+          <a:bodyPr/>
+          <a:lstStyle/>
+          <a:p>
+            <a:r>
+              <a:rPr lang="pt-BR" dirty="0" err="1" smtClean="0"/>
+              <a:t>AngularJS</a:t>
+            </a:r>
+            <a:r>
+              <a:rPr lang="pt-BR" dirty="0" smtClean="0"/>
+              <a:t> - </a:t>
+            </a:r>
+            <a:r>
+              <a:rPr lang="pt-BR" dirty="0" err="1" smtClean="0"/>
+              <a:t>Step</a:t>
+            </a:r>
+            <a:r>
+              <a:rPr lang="pt-BR" dirty="0" smtClean="0"/>
+              <a:t> 7</a:t>
+            </a:r>
+            <a:endParaRPr lang="pt-BR" dirty="0"/>
+          </a:p>
+        </p:txBody>
+      </p:sp>
+      <p:sp>
+        <p:nvSpPr>
+          <p:cNvPr id="3" name="Espaço Reservado para Conteúdo 2"/>
+          <p:cNvSpPr>
+            <a:spLocks noGrp="1"/>
+          </p:cNvSpPr>
+          <p:nvPr>
+            <p:ph idx="1"/>
+          </p:nvPr>
+        </p:nvSpPr>
+        <p:spPr/>
+        <p:txBody>
+          <a:bodyPr/>
+          <a:lstStyle/>
+          <a:p>
             <a:r>
               <a:rPr lang="pt-BR" sz="4000" dirty="0" err="1" smtClean="0"/>
               <a:t>Component</a:t>
@@ -5287,6 +6110,119 @@
               <a:t>.</a:t>
             </a:r>
             <a:endParaRPr lang="pt-BR" dirty="0"/>
+          </a:p>
+        </p:txBody>
+      </p:sp>
+    </p:spTree>
+    <p:extLst>
+      <p:ext uri="{BB962C8B-B14F-4D97-AF65-F5344CB8AC3E}">
+        <p14:creationId xmlns:p14="http://schemas.microsoft.com/office/powerpoint/2010/main" val="3730333921"/>
+      </p:ext>
+    </p:extLst>
+  </p:cSld>
+  <p:clrMapOvr>
+    <a:masterClrMapping/>
+  </p:clrMapOvr>
+</p:sld>
+</file>
+
+<file path=ppt/slides/slide28.xml><?xml version="1.0" encoding="utf-8"?>
+<p:sld xmlns:a="http://schemas.openxmlformats.org/drawingml/2006/main" xmlns:r="http://schemas.openxmlformats.org/officeDocument/2006/relationships" xmlns:p="http://schemas.openxmlformats.org/presentationml/2006/main">
+  <p:cSld>
+    <p:spTree>
+      <p:nvGrpSpPr>
+        <p:cNvPr id="1" name=""/>
+        <p:cNvGrpSpPr/>
+        <p:nvPr/>
+      </p:nvGrpSpPr>
+      <p:grpSpPr>
+        <a:xfrm>
+          <a:off x="0" y="0"/>
+          <a:ext cx="0" cy="0"/>
+          <a:chOff x="0" y="0"/>
+          <a:chExt cx="0" cy="0"/>
+        </a:xfrm>
+      </p:grpSpPr>
+      <p:sp>
+        <p:nvSpPr>
+          <p:cNvPr id="2" name="Título 1"/>
+          <p:cNvSpPr>
+            <a:spLocks noGrp="1"/>
+          </p:cNvSpPr>
+          <p:nvPr>
+            <p:ph type="title"/>
+          </p:nvPr>
+        </p:nvSpPr>
+        <p:spPr/>
+        <p:txBody>
+          <a:bodyPr/>
+          <a:lstStyle/>
+          <a:p>
+            <a:r>
+              <a:rPr lang="pt-BR" dirty="0" err="1" smtClean="0"/>
+              <a:t>AngularJS</a:t>
+            </a:r>
+            <a:r>
+              <a:rPr lang="pt-BR" dirty="0" smtClean="0"/>
+              <a:t> - Exercício</a:t>
+            </a:r>
+            <a:endParaRPr lang="pt-BR" dirty="0"/>
+          </a:p>
+        </p:txBody>
+      </p:sp>
+      <p:sp>
+        <p:nvSpPr>
+          <p:cNvPr id="3" name="Espaço Reservado para Conteúdo 2"/>
+          <p:cNvSpPr>
+            <a:spLocks noGrp="1"/>
+          </p:cNvSpPr>
+          <p:nvPr>
+            <p:ph idx="1"/>
+          </p:nvPr>
+        </p:nvSpPr>
+        <p:spPr/>
+        <p:txBody>
+          <a:bodyPr/>
+          <a:lstStyle/>
+          <a:p>
+            <a:r>
+              <a:rPr lang="pt-BR" sz="4000" dirty="0" smtClean="0"/>
+              <a:t>Criar module</a:t>
+            </a:r>
+          </a:p>
+          <a:p>
+            <a:pPr lvl="1"/>
+            <a:r>
+              <a:rPr lang="pt-BR" sz="3600" dirty="0" err="1" smtClean="0"/>
+              <a:t>Controller</a:t>
+            </a:r>
+            <a:endParaRPr lang="pt-BR" sz="3600" dirty="0" smtClean="0"/>
+          </a:p>
+          <a:p>
+            <a:pPr lvl="1"/>
+            <a:r>
+              <a:rPr lang="pt-BR" sz="3600" dirty="0" smtClean="0"/>
+              <a:t>Service</a:t>
+            </a:r>
+          </a:p>
+          <a:p>
+            <a:pPr lvl="1"/>
+            <a:r>
+              <a:rPr lang="pt-BR" sz="3600" dirty="0" err="1" smtClean="0"/>
+              <a:t>Directive</a:t>
+            </a:r>
+            <a:endParaRPr lang="pt-BR" sz="3600" dirty="0"/>
+          </a:p>
+          <a:p>
+            <a:pPr lvl="1"/>
+            <a:endParaRPr lang="pt-BR" sz="3600" dirty="0" smtClean="0"/>
+          </a:p>
+          <a:p>
+            <a:r>
+              <a:rPr lang="pt-BR" sz="4000" dirty="0" smtClean="0"/>
+              <a:t>Compensa?</a:t>
+            </a:r>
+            <a:endParaRPr lang="pt-BR" sz="4000" dirty="0"/>
           </a:p>
         </p:txBody>
       </p:sp>
@@ -6354,7 +7290,6 @@
               <a:rPr lang="pt-BR" sz="2600" dirty="0" smtClean="0"/>
               <a:t>;</a:t>
             </a:r>
-            <a:endParaRPr lang="pt-BR" sz="2600" dirty="0" smtClean="0"/>
           </a:p>
           <a:p>
             <a:pPr marL="914400" lvl="2" indent="0">
@@ -6440,7 +7375,6 @@
               <a:rPr lang="pt-BR" sz="2800" dirty="0" smtClean="0"/>
               <a:t>;</a:t>
             </a:r>
-            <a:endParaRPr lang="pt-BR" sz="2800" dirty="0" smtClean="0"/>
           </a:p>
           <a:p>
             <a:pPr marL="914400" lvl="2" indent="0">
@@ -6454,7 +7388,6 @@
               <a:rPr lang="pt-BR" sz="2800" dirty="0" smtClean="0"/>
               <a:t>};</a:t>
             </a:r>
-            <a:endParaRPr lang="pt-BR" sz="2800" dirty="0" smtClean="0"/>
           </a:p>
           <a:p>
             <a:pPr marL="914400" lvl="2" indent="0">
